--- a/ProjectPresentation.pptx
+++ b/ProjectPresentation.pptx
@@ -15,49 +15,48 @@
     <p:sldId id="269" r:id="rId9"/>
     <p:sldId id="272" r:id="rId10"/>
     <p:sldId id="280" r:id="rId11"/>
-    <p:sldId id="279" r:id="rId12"/>
-    <p:sldId id="273" r:id="rId13"/>
-    <p:sldId id="281" r:id="rId14"/>
-    <p:sldId id="278" r:id="rId15"/>
-    <p:sldId id="282" r:id="rId16"/>
-    <p:sldId id="284" r:id="rId17"/>
-    <p:sldId id="285" r:id="rId18"/>
-    <p:sldId id="286" r:id="rId19"/>
-    <p:sldId id="287" r:id="rId20"/>
-    <p:sldId id="283" r:id="rId21"/>
-    <p:sldId id="274" r:id="rId22"/>
-    <p:sldId id="288" r:id="rId23"/>
-    <p:sldId id="290" r:id="rId24"/>
-    <p:sldId id="289" r:id="rId25"/>
-    <p:sldId id="275" r:id="rId26"/>
-    <p:sldId id="314" r:id="rId27"/>
-    <p:sldId id="276" r:id="rId28"/>
-    <p:sldId id="277" r:id="rId29"/>
-    <p:sldId id="270" r:id="rId30"/>
-    <p:sldId id="291" r:id="rId31"/>
-    <p:sldId id="292" r:id="rId32"/>
-    <p:sldId id="293" r:id="rId33"/>
-    <p:sldId id="294" r:id="rId34"/>
-    <p:sldId id="295" r:id="rId35"/>
-    <p:sldId id="296" r:id="rId36"/>
-    <p:sldId id="297" r:id="rId37"/>
-    <p:sldId id="298" r:id="rId38"/>
-    <p:sldId id="299" r:id="rId39"/>
-    <p:sldId id="300" r:id="rId40"/>
-    <p:sldId id="301" r:id="rId41"/>
-    <p:sldId id="271" r:id="rId42"/>
-    <p:sldId id="302" r:id="rId43"/>
-    <p:sldId id="303" r:id="rId44"/>
-    <p:sldId id="304" r:id="rId45"/>
-    <p:sldId id="305" r:id="rId46"/>
-    <p:sldId id="306" r:id="rId47"/>
-    <p:sldId id="307" r:id="rId48"/>
-    <p:sldId id="308" r:id="rId49"/>
-    <p:sldId id="315" r:id="rId50"/>
-    <p:sldId id="309" r:id="rId51"/>
-    <p:sldId id="311" r:id="rId52"/>
-    <p:sldId id="312" r:id="rId53"/>
-    <p:sldId id="313" r:id="rId54"/>
+    <p:sldId id="273" r:id="rId12"/>
+    <p:sldId id="281" r:id="rId13"/>
+    <p:sldId id="278" r:id="rId14"/>
+    <p:sldId id="282" r:id="rId15"/>
+    <p:sldId id="284" r:id="rId16"/>
+    <p:sldId id="285" r:id="rId17"/>
+    <p:sldId id="286" r:id="rId18"/>
+    <p:sldId id="287" r:id="rId19"/>
+    <p:sldId id="283" r:id="rId20"/>
+    <p:sldId id="274" r:id="rId21"/>
+    <p:sldId id="288" r:id="rId22"/>
+    <p:sldId id="290" r:id="rId23"/>
+    <p:sldId id="289" r:id="rId24"/>
+    <p:sldId id="275" r:id="rId25"/>
+    <p:sldId id="314" r:id="rId26"/>
+    <p:sldId id="276" r:id="rId27"/>
+    <p:sldId id="277" r:id="rId28"/>
+    <p:sldId id="270" r:id="rId29"/>
+    <p:sldId id="291" r:id="rId30"/>
+    <p:sldId id="292" r:id="rId31"/>
+    <p:sldId id="293" r:id="rId32"/>
+    <p:sldId id="294" r:id="rId33"/>
+    <p:sldId id="295" r:id="rId34"/>
+    <p:sldId id="296" r:id="rId35"/>
+    <p:sldId id="297" r:id="rId36"/>
+    <p:sldId id="298" r:id="rId37"/>
+    <p:sldId id="299" r:id="rId38"/>
+    <p:sldId id="300" r:id="rId39"/>
+    <p:sldId id="301" r:id="rId40"/>
+    <p:sldId id="271" r:id="rId41"/>
+    <p:sldId id="302" r:id="rId42"/>
+    <p:sldId id="303" r:id="rId43"/>
+    <p:sldId id="304" r:id="rId44"/>
+    <p:sldId id="305" r:id="rId45"/>
+    <p:sldId id="306" r:id="rId46"/>
+    <p:sldId id="307" r:id="rId47"/>
+    <p:sldId id="308" r:id="rId48"/>
+    <p:sldId id="315" r:id="rId49"/>
+    <p:sldId id="309" r:id="rId50"/>
+    <p:sldId id="311" r:id="rId51"/>
+    <p:sldId id="312" r:id="rId52"/>
+    <p:sldId id="313" r:id="rId53"/>
   </p:sldIdLst>
   <p:sldSz cx="9144000" cy="6858000" type="screen4x3"/>
   <p:notesSz cx="6858000" cy="9144000"/>
@@ -4431,7 +4430,7 @@
       </p:grpSpPr>
       <p:sp>
         <p:nvSpPr>
-          <p:cNvPr id="164866" name="Rectangle 2"/>
+          <p:cNvPr id="158722" name="Rectangle 2"/>
           <p:cNvSpPr>
             <a:spLocks noGrp="1" noChangeArrowheads="1"/>
           </p:cNvSpPr>
@@ -4446,15 +4445,23 @@
           <a:p>
             <a:pPr algn="ctr"/>
             <a:r>
-              <a:rPr lang="en-US" b="1" i="1"/>
-              <a:t>Order of Implementation</a:t>
-            </a:r>
-          </a:p>
-        </p:txBody>
-      </p:sp>
-      <p:sp>
-        <p:nvSpPr>
-          <p:cNvPr id="164867" name="Rectangle 3"/>
+              <a:rPr lang="en-US" sz="4000" b="1" i="1"/>
+              <a:t>Finding Feature threshold – </a:t>
+            </a:r>
+            <a:br>
+              <a:rPr lang="en-US" sz="4000" b="1" i="1"/>
+            </a:br>
+            <a:r>
+              <a:rPr lang="en-US" sz="4000" b="1" i="1"/>
+              <a:t>Full Search</a:t>
+            </a:r>
+            <a:endParaRPr lang="en-US" sz="4000" u="sng"/>
+          </a:p>
+        </p:txBody>
+      </p:sp>
+      <p:sp>
+        <p:nvSpPr>
+          <p:cNvPr id="158723" name="Rectangle 3"/>
           <p:cNvSpPr>
             <a:spLocks noGrp="1" noChangeArrowheads="1"/>
           </p:cNvSpPr>
@@ -4462,22 +4469,96 @@
             <p:ph type="body" idx="1"/>
           </p:nvPr>
         </p:nvSpPr>
-        <p:spPr/>
+        <p:spPr>
+          <a:xfrm>
+            <a:off x="250825" y="1989138"/>
+            <a:ext cx="8686800" cy="4471987"/>
+          </a:xfrm>
+        </p:spPr>
         <p:txBody>
           <a:bodyPr/>
           <a:lstStyle/>
           <a:p>
-            <a:pPr algn="l" rtl="0"/>
-            <a:r>
-              <a:rPr lang="en-US"/>
-              <a:t>we decided to implement the Adaboost algorithm using the bottom-up approach, to “feel” it better.</a:t>
-            </a:r>
-          </a:p>
-          <a:p>
-            <a:pPr algn="l" rtl="0"/>
-            <a:r>
-              <a:rPr lang="en-US"/>
-              <a:t>We decided on a top-down approach for the cascade implementation, as we felt we understood the algorithm well in advance.</a:t>
+            <a:pPr algn="l" rtl="0">
+              <a:lnSpc>
+                <a:spcPct val="80000"/>
+              </a:lnSpc>
+            </a:pPr>
+            <a:r>
+              <a:rPr lang="en-US" sz="2400"/>
+              <a:t>Sort the values array.</a:t>
+            </a:r>
+          </a:p>
+          <a:p>
+            <a:pPr algn="l" rtl="0">
+              <a:lnSpc>
+                <a:spcPct val="80000"/>
+              </a:lnSpc>
+            </a:pPr>
+            <a:r>
+              <a:rPr lang="en-US" sz="2400"/>
+              <a:t>Create 2 additional arrays, positive and negative. </a:t>
+            </a:r>
+          </a:p>
+          <a:p>
+            <a:pPr algn="l" rtl="0">
+              <a:lnSpc>
+                <a:spcPct val="80000"/>
+              </a:lnSpc>
+            </a:pPr>
+            <a:r>
+              <a:rPr lang="en-US" sz="2400"/>
+              <a:t>Scan the retrieved values array. Fill the arrays by Accumulating units of 1 multiplied by the value’s weights in the following fashion:</a:t>
+            </a:r>
+          </a:p>
+          <a:p>
+            <a:pPr algn="l" rtl="0">
+              <a:lnSpc>
+                <a:spcPct val="80000"/>
+              </a:lnSpc>
+            </a:pPr>
+            <a:r>
+              <a:rPr lang="en-US" sz="2400"/>
+              <a:t>For a positive value, </a:t>
+            </a:r>
+            <a:br>
+              <a:rPr lang="en-US" sz="2400"/>
+            </a:br>
+            <a:r>
+              <a:rPr lang="en-US" sz="2400"/>
+              <a:t>in the positive array, add the previous element’s content and add 1 multiplied by the value’s weight.</a:t>
+            </a:r>
+            <a:br>
+              <a:rPr lang="en-US" sz="2400"/>
+            </a:br>
+            <a:r>
+              <a:rPr lang="en-US" sz="2400"/>
+              <a:t>in the negative array just add the previous element’s content</a:t>
+            </a:r>
+          </a:p>
+          <a:p>
+            <a:pPr algn="l" rtl="0">
+              <a:lnSpc>
+                <a:spcPct val="80000"/>
+              </a:lnSpc>
+            </a:pPr>
+            <a:r>
+              <a:rPr lang="en-US" sz="2400"/>
+              <a:t>For a negative value, </a:t>
+            </a:r>
+            <a:br>
+              <a:rPr lang="en-US" sz="2400"/>
+            </a:br>
+            <a:r>
+              <a:rPr lang="en-US" sz="2400"/>
+              <a:t>in the negative array, add the previous element’s content and add 1 multiplied by the value’s weight.</a:t>
+            </a:r>
+            <a:br>
+              <a:rPr lang="en-US" sz="2400"/>
+            </a:br>
+            <a:r>
+              <a:rPr lang="en-US" sz="2400"/>
+              <a:t>in the positive array just add the previous element’s content</a:t>
             </a:r>
           </a:p>
         </p:txBody>
@@ -4516,7 +4597,7 @@
       </p:grpSpPr>
       <p:sp>
         <p:nvSpPr>
-          <p:cNvPr id="158722" name="Rectangle 2"/>
+          <p:cNvPr id="168962" name="Rectangle 2"/>
           <p:cNvSpPr>
             <a:spLocks noGrp="1" noChangeArrowheads="1"/>
           </p:cNvSpPr>
@@ -4539,15 +4620,14 @@
             </a:br>
             <a:r>
               <a:rPr lang="en-US" sz="4000" b="1" i="1"/>
-              <a:t>Full Search</a:t>
-            </a:r>
-            <a:endParaRPr lang="en-US" sz="4000" u="sng"/>
-          </a:p>
-        </p:txBody>
-      </p:sp>
-      <p:sp>
-        <p:nvSpPr>
-          <p:cNvPr id="158723" name="Rectangle 3"/>
+              <a:t>Full Search (2)</a:t>
+            </a:r>
+          </a:p>
+        </p:txBody>
+      </p:sp>
+      <p:sp>
+        <p:nvSpPr>
+          <p:cNvPr id="168963" name="Rectangle 3"/>
           <p:cNvSpPr>
             <a:spLocks noGrp="1" noChangeArrowheads="1"/>
           </p:cNvSpPr>
@@ -4555,12 +4635,7 @@
             <p:ph type="body" idx="1"/>
           </p:nvPr>
         </p:nvSpPr>
-        <p:spPr>
-          <a:xfrm>
-            <a:off x="250825" y="1989138"/>
-            <a:ext cx="8686800" cy="4471987"/>
-          </a:xfrm>
-        </p:spPr>
+        <p:spPr/>
         <p:txBody>
           <a:bodyPr/>
           <a:lstStyle/>
@@ -4572,7 +4647,7 @@
             </a:pPr>
             <a:r>
               <a:rPr lang="en-US" sz="2400"/>
-              <a:t>Sort the values array.</a:t>
+              <a:t>The value index with the best threshold will be the index where the absolute difference between the arrays content is greatest.</a:t>
             </a:r>
           </a:p>
           <a:p>
@@ -4583,7 +4658,7 @@
             </a:pPr>
             <a:r>
               <a:rPr lang="en-US" sz="2400"/>
-              <a:t>Create 2 additional arrays, positive and negative. </a:t>
+              <a:t>Polarity is the side of the threshold which has more positive examples, </a:t>
             </a:r>
           </a:p>
           <a:p>
@@ -4594,7 +4669,7 @@
             </a:pPr>
             <a:r>
               <a:rPr lang="en-US" sz="2400"/>
-              <a:t>Scan the retrieved values array. Fill the arrays by Accumulating units of 1 multiplied by the value’s weights in the following fashion:</a:t>
+              <a:t>meaning polarity is positive if more positive examples occur on the left side of the threshold, and polarity is negative if there is less on that side.</a:t>
             </a:r>
           </a:p>
           <a:p>
@@ -4605,21 +4680,7 @@
             </a:pPr>
             <a:r>
               <a:rPr lang="en-US" sz="2400"/>
-              <a:t>For a positive value, </a:t>
-            </a:r>
-            <a:br>
-              <a:rPr lang="en-US" sz="2400"/>
-            </a:br>
-            <a:r>
-              <a:rPr lang="en-US" sz="2400"/>
-              <a:t>in the positive array, add the previous element’s content and add 1 multiplied by the value’s weight.</a:t>
-            </a:r>
-            <a:br>
-              <a:rPr lang="en-US" sz="2400"/>
-            </a:br>
-            <a:r>
-              <a:rPr lang="en-US" sz="2400"/>
-              <a:t>in the negative array just add the previous element’s content</a:t>
+              <a:t>Quick feature error calculation is achieved by logical vector operation (xor) between the classified vector and the sorted label vector (the “Y”).</a:t>
             </a:r>
           </a:p>
           <a:p>
@@ -4628,24 +4689,7 @@
                 <a:spcPct val="80000"/>
               </a:lnSpc>
             </a:pPr>
-            <a:r>
-              <a:rPr lang="en-US" sz="2400"/>
-              <a:t>For a negative value, </a:t>
-            </a:r>
-            <a:br>
-              <a:rPr lang="en-US" sz="2400"/>
-            </a:br>
-            <a:r>
-              <a:rPr lang="en-US" sz="2400"/>
-              <a:t>in the negative array, add the previous element’s content and add 1 multiplied by the value’s weight.</a:t>
-            </a:r>
-            <a:br>
-              <a:rPr lang="en-US" sz="2400"/>
-            </a:br>
-            <a:r>
-              <a:rPr lang="en-US" sz="2400"/>
-              <a:t>in the positive array just add the previous element’s content</a:t>
-            </a:r>
+            <a:endParaRPr lang="en-US" sz="2400"/>
           </a:p>
         </p:txBody>
       </p:sp>
@@ -4665,136 +4709,6 @@
 </file>
 
 <file path=ppt/slides/slide13.xml><?xml version="1.0" encoding="utf-8"?>
-<p:sld xmlns:a="http://schemas.openxmlformats.org/drawingml/2006/main" xmlns:r="http://schemas.openxmlformats.org/officeDocument/2006/relationships" xmlns:p="http://schemas.openxmlformats.org/presentationml/2006/main">
-  <p:cSld>
-    <p:spTree>
-      <p:nvGrpSpPr>
-        <p:cNvPr id="1" name=""/>
-        <p:cNvGrpSpPr/>
-        <p:nvPr/>
-      </p:nvGrpSpPr>
-      <p:grpSpPr>
-        <a:xfrm>
-          <a:off x="0" y="0"/>
-          <a:ext cx="0" cy="0"/>
-          <a:chOff x="0" y="0"/>
-          <a:chExt cx="0" cy="0"/>
-        </a:xfrm>
-      </p:grpSpPr>
-      <p:sp>
-        <p:nvSpPr>
-          <p:cNvPr id="168962" name="Rectangle 2"/>
-          <p:cNvSpPr>
-            <a:spLocks noGrp="1" noChangeArrowheads="1"/>
-          </p:cNvSpPr>
-          <p:nvPr>
-            <p:ph type="title"/>
-          </p:nvPr>
-        </p:nvSpPr>
-        <p:spPr/>
-        <p:txBody>
-          <a:bodyPr/>
-          <a:lstStyle/>
-          <a:p>
-            <a:pPr algn="ctr"/>
-            <a:r>
-              <a:rPr lang="en-US" sz="4000" b="1" i="1"/>
-              <a:t>Finding Feature threshold – </a:t>
-            </a:r>
-            <a:br>
-              <a:rPr lang="en-US" sz="4000" b="1" i="1"/>
-            </a:br>
-            <a:r>
-              <a:rPr lang="en-US" sz="4000" b="1" i="1"/>
-              <a:t>Full Search (2)</a:t>
-            </a:r>
-          </a:p>
-        </p:txBody>
-      </p:sp>
-      <p:sp>
-        <p:nvSpPr>
-          <p:cNvPr id="168963" name="Rectangle 3"/>
-          <p:cNvSpPr>
-            <a:spLocks noGrp="1" noChangeArrowheads="1"/>
-          </p:cNvSpPr>
-          <p:nvPr>
-            <p:ph type="body" idx="1"/>
-          </p:nvPr>
-        </p:nvSpPr>
-        <p:spPr/>
-        <p:txBody>
-          <a:bodyPr/>
-          <a:lstStyle/>
-          <a:p>
-            <a:pPr algn="l" rtl="0">
-              <a:lnSpc>
-                <a:spcPct val="80000"/>
-              </a:lnSpc>
-            </a:pPr>
-            <a:r>
-              <a:rPr lang="en-US" sz="2400"/>
-              <a:t>The value index with the best threshold will be the index where the absolute difference between the arrays content is greatest.</a:t>
-            </a:r>
-          </a:p>
-          <a:p>
-            <a:pPr algn="l" rtl="0">
-              <a:lnSpc>
-                <a:spcPct val="80000"/>
-              </a:lnSpc>
-            </a:pPr>
-            <a:r>
-              <a:rPr lang="en-US" sz="2400"/>
-              <a:t>Polarity is the side of the threshold which has more positive examples, </a:t>
-            </a:r>
-          </a:p>
-          <a:p>
-            <a:pPr algn="l" rtl="0">
-              <a:lnSpc>
-                <a:spcPct val="80000"/>
-              </a:lnSpc>
-            </a:pPr>
-            <a:r>
-              <a:rPr lang="en-US" sz="2400"/>
-              <a:t>meaning polarity is positive if more positive examples occur on the left side of the threshold, and polarity is negative if there is less on that side.</a:t>
-            </a:r>
-          </a:p>
-          <a:p>
-            <a:pPr algn="l" rtl="0">
-              <a:lnSpc>
-                <a:spcPct val="80000"/>
-              </a:lnSpc>
-            </a:pPr>
-            <a:r>
-              <a:rPr lang="en-US" sz="2400"/>
-              <a:t>Quick feature error calculation is achieved by logical vector operation (xor) between the classified vector and the sorted label vector (the “Y”).</a:t>
-            </a:r>
-          </a:p>
-          <a:p>
-            <a:pPr algn="l" rtl="0">
-              <a:lnSpc>
-                <a:spcPct val="80000"/>
-              </a:lnSpc>
-            </a:pPr>
-            <a:endParaRPr lang="en-US" sz="2400"/>
-          </a:p>
-        </p:txBody>
-      </p:sp>
-    </p:spTree>
-  </p:cSld>
-  <p:clrMapOvr>
-    <a:masterClrMapping/>
-  </p:clrMapOvr>
-  <p:timing>
-    <p:tnLst>
-      <p:par>
-        <p:cTn id="1" dur="indefinite" restart="never" nodeType="tmRoot"/>
-      </p:par>
-    </p:tnLst>
-  </p:timing>
-</p:sld>
-</file>
-
-<file path=ppt/slides/slide14.xml><?xml version="1.0" encoding="utf-8"?>
 <p:sld xmlns:a="http://schemas.openxmlformats.org/drawingml/2006/main" xmlns:r="http://schemas.openxmlformats.org/officeDocument/2006/relationships" xmlns:p="http://schemas.openxmlformats.org/presentationml/2006/main">
   <p:cSld>
     <p:spTree>
@@ -4905,7 +4819,7 @@
 </p:sld>
 </file>
 
-<file path=ppt/slides/slide15.xml><?xml version="1.0" encoding="utf-8"?>
+<file path=ppt/slides/slide14.xml><?xml version="1.0" encoding="utf-8"?>
 <p:sld xmlns:a="http://schemas.openxmlformats.org/drawingml/2006/main" xmlns:r="http://schemas.openxmlformats.org/officeDocument/2006/relationships" xmlns:p="http://schemas.openxmlformats.org/presentationml/2006/main">
   <p:cSld>
     <p:spTree>
@@ -5019,7 +4933,7 @@
 </p:sld>
 </file>
 
-<file path=ppt/slides/slide16.xml><?xml version="1.0" encoding="utf-8"?>
+<file path=ppt/slides/slide15.xml><?xml version="1.0" encoding="utf-8"?>
 <p:sld xmlns:a="http://schemas.openxmlformats.org/drawingml/2006/main" xmlns:r="http://schemas.openxmlformats.org/officeDocument/2006/relationships" xmlns:p="http://schemas.openxmlformats.org/presentationml/2006/main">
   <p:cSld>
     <p:spTree>
@@ -5036,25 +4950,6 @@
           <a:chExt cx="0" cy="0"/>
         </a:xfrm>
       </p:grpSpPr>
-      <p:sp>
-        <p:nvSpPr>
-          <p:cNvPr id="174082" name="Rectangle 2"/>
-          <p:cNvSpPr>
-            <a:spLocks noGrp="1" noChangeArrowheads="1"/>
-          </p:cNvSpPr>
-          <p:nvPr>
-            <p:ph type="title"/>
-          </p:nvPr>
-        </p:nvSpPr>
-        <p:spPr/>
-        <p:txBody>
-          <a:bodyPr/>
-          <a:lstStyle/>
-          <a:p>
-            <a:endParaRPr lang="en-US"/>
-          </a:p>
-        </p:txBody>
-      </p:sp>
       <p:sp>
         <p:nvSpPr>
           <p:cNvPr id="174083" name="Rectangle 3"/>
@@ -5126,7 +5021,7 @@
 </p:sld>
 </file>
 
-<file path=ppt/slides/slide17.xml><?xml version="1.0" encoding="utf-8"?>
+<file path=ppt/slides/slide16.xml><?xml version="1.0" encoding="utf-8"?>
 <p:sld xmlns:a="http://schemas.openxmlformats.org/drawingml/2006/main" xmlns:r="http://schemas.openxmlformats.org/officeDocument/2006/relationships" xmlns:p="http://schemas.openxmlformats.org/presentationml/2006/main">
   <p:cSld>
     <p:spTree>
@@ -5143,25 +5038,6 @@
           <a:chExt cx="0" cy="0"/>
         </a:xfrm>
       </p:grpSpPr>
-      <p:sp>
-        <p:nvSpPr>
-          <p:cNvPr id="175106" name="Rectangle 2"/>
-          <p:cNvSpPr>
-            <a:spLocks noGrp="1" noChangeArrowheads="1"/>
-          </p:cNvSpPr>
-          <p:nvPr>
-            <p:ph type="title"/>
-          </p:nvPr>
-        </p:nvSpPr>
-        <p:spPr/>
-        <p:txBody>
-          <a:bodyPr/>
-          <a:lstStyle/>
-          <a:p>
-            <a:endParaRPr lang="en-US"/>
-          </a:p>
-        </p:txBody>
-      </p:sp>
       <p:sp>
         <p:nvSpPr>
           <p:cNvPr id="175107" name="Rectangle 3"/>
@@ -5233,7 +5109,7 @@
 </p:sld>
 </file>
 
-<file path=ppt/slides/slide18.xml><?xml version="1.0" encoding="utf-8"?>
+<file path=ppt/slides/slide17.xml><?xml version="1.0" encoding="utf-8"?>
 <p:sld xmlns:a="http://schemas.openxmlformats.org/drawingml/2006/main" xmlns:r="http://schemas.openxmlformats.org/officeDocument/2006/relationships" xmlns:p="http://schemas.openxmlformats.org/presentationml/2006/main">
   <p:cSld>
     <p:spTree>
@@ -5250,25 +5126,6 @@
           <a:chExt cx="0" cy="0"/>
         </a:xfrm>
       </p:grpSpPr>
-      <p:sp>
-        <p:nvSpPr>
-          <p:cNvPr id="176130" name="Rectangle 2"/>
-          <p:cNvSpPr>
-            <a:spLocks noGrp="1" noChangeArrowheads="1"/>
-          </p:cNvSpPr>
-          <p:nvPr>
-            <p:ph type="title"/>
-          </p:nvPr>
-        </p:nvSpPr>
-        <p:spPr/>
-        <p:txBody>
-          <a:bodyPr/>
-          <a:lstStyle/>
-          <a:p>
-            <a:endParaRPr lang="en-US"/>
-          </a:p>
-        </p:txBody>
-      </p:sp>
       <p:sp>
         <p:nvSpPr>
           <p:cNvPr id="176131" name="Rectangle 3"/>
@@ -5340,7 +5197,7 @@
 </p:sld>
 </file>
 
-<file path=ppt/slides/slide19.xml><?xml version="1.0" encoding="utf-8"?>
+<file path=ppt/slides/slide18.xml><?xml version="1.0" encoding="utf-8"?>
 <p:sld xmlns:a="http://schemas.openxmlformats.org/drawingml/2006/main" xmlns:r="http://schemas.openxmlformats.org/officeDocument/2006/relationships" xmlns:p="http://schemas.openxmlformats.org/presentationml/2006/main">
   <p:cSld>
     <p:spTree>
@@ -5357,25 +5214,6 @@
           <a:chExt cx="0" cy="0"/>
         </a:xfrm>
       </p:grpSpPr>
-      <p:sp>
-        <p:nvSpPr>
-          <p:cNvPr id="177154" name="Rectangle 2"/>
-          <p:cNvSpPr>
-            <a:spLocks noGrp="1" noChangeArrowheads="1"/>
-          </p:cNvSpPr>
-          <p:nvPr>
-            <p:ph type="title"/>
-          </p:nvPr>
-        </p:nvSpPr>
-        <p:spPr/>
-        <p:txBody>
-          <a:bodyPr/>
-          <a:lstStyle/>
-          <a:p>
-            <a:endParaRPr lang="en-US"/>
-          </a:p>
-        </p:txBody>
-      </p:sp>
       <p:sp>
         <p:nvSpPr>
           <p:cNvPr id="177155" name="Rectangle 3"/>
@@ -5432,6 +5270,95 @@
           <a:effectLst/>
         </p:spPr>
       </p:pic>
+    </p:spTree>
+  </p:cSld>
+  <p:clrMapOvr>
+    <a:masterClrMapping/>
+  </p:clrMapOvr>
+  <p:timing>
+    <p:tnLst>
+      <p:par>
+        <p:cTn id="1" dur="indefinite" restart="never" nodeType="tmRoot"/>
+      </p:par>
+    </p:tnLst>
+  </p:timing>
+</p:sld>
+</file>
+
+<file path=ppt/slides/slide19.xml><?xml version="1.0" encoding="utf-8"?>
+<p:sld xmlns:a="http://schemas.openxmlformats.org/drawingml/2006/main" xmlns:r="http://schemas.openxmlformats.org/officeDocument/2006/relationships" xmlns:p="http://schemas.openxmlformats.org/presentationml/2006/main">
+  <p:cSld>
+    <p:spTree>
+      <p:nvGrpSpPr>
+        <p:cNvPr id="1" name=""/>
+        <p:cNvGrpSpPr/>
+        <p:nvPr/>
+      </p:nvGrpSpPr>
+      <p:grpSpPr>
+        <a:xfrm>
+          <a:off x="0" y="0"/>
+          <a:ext cx="0" cy="0"/>
+          <a:chOff x="0" y="0"/>
+          <a:chExt cx="0" cy="0"/>
+        </a:xfrm>
+      </p:grpSpPr>
+      <p:sp>
+        <p:nvSpPr>
+          <p:cNvPr id="173058" name="Rectangle 2"/>
+          <p:cNvSpPr>
+            <a:spLocks noGrp="1" noChangeArrowheads="1"/>
+          </p:cNvSpPr>
+          <p:nvPr>
+            <p:ph type="title"/>
+          </p:nvPr>
+        </p:nvSpPr>
+        <p:spPr/>
+        <p:txBody>
+          <a:bodyPr/>
+          <a:lstStyle/>
+          <a:p>
+            <a:r>
+              <a:rPr lang="en-US" sz="4000" b="1" i="1"/>
+              <a:t/>
+            </a:r>
+            <a:br>
+              <a:rPr lang="en-US" sz="4000" b="1" i="1"/>
+            </a:br>
+            <a:endParaRPr lang="en-US" sz="4000" b="1" i="1"/>
+          </a:p>
+        </p:txBody>
+      </p:sp>
+      <p:sp>
+        <p:nvSpPr>
+          <p:cNvPr id="173059" name="Rectangle 3"/>
+          <p:cNvSpPr>
+            <a:spLocks noGrp="1" noChangeArrowheads="1"/>
+          </p:cNvSpPr>
+          <p:nvPr>
+            <p:ph type="body" idx="1"/>
+          </p:nvPr>
+        </p:nvSpPr>
+        <p:spPr/>
+        <p:txBody>
+          <a:bodyPr/>
+          <a:lstStyle/>
+          <a:p>
+            <a:pPr algn="l" rtl="0"/>
+            <a:r>
+              <a:rPr lang="en-US"/>
+              <a:t>The chosen threshold is </a:t>
+            </a:r>
+            <a:r>
+              <a:rPr lang="en-US" b="1"/>
+              <a:t>10</a:t>
+            </a:r>
+            <a:r>
+              <a:rPr lang="en-US"/>
+              <a:t>, polarity is positive (because more positive examples are on the left of the threshold)</a:t>
+            </a:r>
+          </a:p>
+        </p:txBody>
+      </p:sp>
     </p:spTree>
   </p:cSld>
   <p:clrMapOvr>
@@ -5676,7 +5603,7 @@
       </p:grpSpPr>
       <p:sp>
         <p:nvSpPr>
-          <p:cNvPr id="173058" name="Rectangle 2"/>
+          <p:cNvPr id="159746" name="Rectangle 2"/>
           <p:cNvSpPr>
             <a:spLocks noGrp="1" noChangeArrowheads="1"/>
           </p:cNvSpPr>
@@ -5691,18 +5618,18 @@
           <a:p>
             <a:r>
               <a:rPr lang="en-US" sz="4000" b="1" i="1"/>
-              <a:t/>
+              <a:t>Reducing Time complexity</a:t>
             </a:r>
             <a:br>
               <a:rPr lang="en-US" sz="4000" b="1" i="1"/>
             </a:br>
-            <a:endParaRPr lang="en-US" sz="4000" b="1" i="1"/>
-          </a:p>
-        </p:txBody>
-      </p:sp>
-      <p:sp>
-        <p:nvSpPr>
-          <p:cNvPr id="173059" name="Rectangle 3"/>
+            <a:endParaRPr lang="en-US" sz="4000" b="1"/>
+          </a:p>
+        </p:txBody>
+      </p:sp>
+      <p:sp>
+        <p:nvSpPr>
+          <p:cNvPr id="159747" name="Rectangle 3"/>
           <p:cNvSpPr>
             <a:spLocks noGrp="1" noChangeArrowheads="1"/>
           </p:cNvSpPr>
@@ -5715,19 +5642,45 @@
           <a:bodyPr/>
           <a:lstStyle/>
           <a:p>
-            <a:pPr algn="l" rtl="0"/>
+            <a:pPr algn="l" rtl="0">
+              <a:lnSpc>
+                <a:spcPct val="90000"/>
+              </a:lnSpc>
+            </a:pPr>
             <a:r>
               <a:rPr lang="en-US"/>
-              <a:t>The chosen threshold is </a:t>
+              <a:t>building data structures such that in Matlab it was is possible to compute operation on them in 1 function call and avoid loops. </a:t>
+            </a:r>
+          </a:p>
+          <a:p>
+            <a:pPr algn="l" rtl="0">
+              <a:lnSpc>
+                <a:spcPct val="90000"/>
+              </a:lnSpc>
+            </a:pPr>
+            <a:r>
+              <a:rPr lang="en-US"/>
+              <a:t>The overhead is an initial construction of these data structures.</a:t>
+            </a:r>
+          </a:p>
+          <a:p>
+            <a:pPr algn="l" rtl="0">
+              <a:lnSpc>
+                <a:spcPct val="90000"/>
+              </a:lnSpc>
+            </a:pPr>
+            <a:r>
+              <a:rPr lang="en-US"/>
+              <a:t>Data Structure Examples follows:</a:t>
             </a:r>
             <a:r>
               <a:rPr lang="en-US" b="1"/>
-              <a:t>10</a:t>
-            </a:r>
-            <a:r>
-              <a:rPr lang="en-US"/>
-              <a:t>, polarity is positive (because more positive examples are on the left of the threshold)</a:t>
-            </a:r>
+              <a:t/>
+            </a:r>
+            <a:br>
+              <a:rPr lang="en-US" b="1"/>
+            </a:br>
+            <a:endParaRPr lang="en-US" b="1"/>
           </a:p>
         </p:txBody>
       </p:sp>
@@ -5765,7 +5718,7 @@
       </p:grpSpPr>
       <p:sp>
         <p:nvSpPr>
-          <p:cNvPr id="159746" name="Rectangle 2"/>
+          <p:cNvPr id="178178" name="Rectangle 2"/>
           <p:cNvSpPr>
             <a:spLocks noGrp="1" noChangeArrowheads="1"/>
           </p:cNvSpPr>
@@ -5779,19 +5732,15 @@
           <a:lstStyle/>
           <a:p>
             <a:r>
-              <a:rPr lang="en-US" sz="4000" b="1" i="1"/>
-              <a:t>Reducing Time complexity</a:t>
-            </a:r>
-            <a:br>
-              <a:rPr lang="en-US" sz="4000" b="1" i="1"/>
-            </a:br>
-            <a:endParaRPr lang="en-US" sz="4000" b="1"/>
-          </a:p>
-        </p:txBody>
-      </p:sp>
-      <p:sp>
-        <p:nvSpPr>
-          <p:cNvPr id="159747" name="Rectangle 3"/>
+              <a:rPr lang="en-US" b="1"/>
+              <a:t>“Boxing” the examples</a:t>
+            </a:r>
+          </a:p>
+        </p:txBody>
+      </p:sp>
+      <p:sp>
+        <p:nvSpPr>
+          <p:cNvPr id="178179" name="Rectangle 3"/>
           <p:cNvSpPr>
             <a:spLocks noGrp="1" noChangeArrowheads="1"/>
           </p:cNvSpPr>
@@ -5810,8 +5759,8 @@
               </a:lnSpc>
             </a:pPr>
             <a:r>
-              <a:rPr lang="en-US"/>
-              <a:t>building data structures such that in Matlab it was is possible to compute operation on them in 1 function call and avoid loops. </a:t>
+              <a:rPr lang="en-US" sz="2800"/>
+              <a:t>Training Examples are 19X19 frames.</a:t>
             </a:r>
           </a:p>
           <a:p>
@@ -5821,8 +5770,8 @@
               </a:lnSpc>
             </a:pPr>
             <a:r>
-              <a:rPr lang="en-US"/>
-              <a:t>The overhead is an initial construction of these data structures.</a:t>
+              <a:rPr lang="en-US" sz="2800"/>
+              <a:t>During Training, every features is applied on all integral images of the training examples.</a:t>
             </a:r>
           </a:p>
           <a:p>
@@ -5832,17 +5781,20 @@
               </a:lnSpc>
             </a:pPr>
             <a:r>
-              <a:rPr lang="en-US"/>
-              <a:t>Data Structure Examples follows:</a:t>
-            </a:r>
-            <a:r>
-              <a:rPr lang="en-US" b="1"/>
-              <a:t/>
-            </a:r>
-            <a:br>
-              <a:rPr lang="en-US" b="1"/>
-            </a:br>
-            <a:endParaRPr lang="en-US" b="1"/>
+              <a:rPr lang="en-US" sz="2800"/>
+              <a:t>In order to perform fast Integral Image computation, and to perform fast application of features on the examples, we decide to put all of the example frames in a 3D box.</a:t>
+            </a:r>
+          </a:p>
+          <a:p>
+            <a:pPr algn="l" rtl="0">
+              <a:lnSpc>
+                <a:spcPct val="90000"/>
+              </a:lnSpc>
+            </a:pPr>
+            <a:r>
+              <a:rPr lang="en-US" sz="2800"/>
+              <a:t>We use the 3D box in Testing as well, putting all of the sliding windows of the test image in it.</a:t>
+            </a:r>
           </a:p>
         </p:txBody>
       </p:sp>
@@ -5862,120 +5814,6 @@
 </file>
 
 <file path=ppt/slides/slide22.xml><?xml version="1.0" encoding="utf-8"?>
-<p:sld xmlns:a="http://schemas.openxmlformats.org/drawingml/2006/main" xmlns:r="http://schemas.openxmlformats.org/officeDocument/2006/relationships" xmlns:p="http://schemas.openxmlformats.org/presentationml/2006/main">
-  <p:cSld>
-    <p:spTree>
-      <p:nvGrpSpPr>
-        <p:cNvPr id="1" name=""/>
-        <p:cNvGrpSpPr/>
-        <p:nvPr/>
-      </p:nvGrpSpPr>
-      <p:grpSpPr>
-        <a:xfrm>
-          <a:off x="0" y="0"/>
-          <a:ext cx="0" cy="0"/>
-          <a:chOff x="0" y="0"/>
-          <a:chExt cx="0" cy="0"/>
-        </a:xfrm>
-      </p:grpSpPr>
-      <p:sp>
-        <p:nvSpPr>
-          <p:cNvPr id="178178" name="Rectangle 2"/>
-          <p:cNvSpPr>
-            <a:spLocks noGrp="1" noChangeArrowheads="1"/>
-          </p:cNvSpPr>
-          <p:nvPr>
-            <p:ph type="title"/>
-          </p:nvPr>
-        </p:nvSpPr>
-        <p:spPr/>
-        <p:txBody>
-          <a:bodyPr/>
-          <a:lstStyle/>
-          <a:p>
-            <a:r>
-              <a:rPr lang="en-US" b="1"/>
-              <a:t>“Boxing” the examples</a:t>
-            </a:r>
-          </a:p>
-        </p:txBody>
-      </p:sp>
-      <p:sp>
-        <p:nvSpPr>
-          <p:cNvPr id="178179" name="Rectangle 3"/>
-          <p:cNvSpPr>
-            <a:spLocks noGrp="1" noChangeArrowheads="1"/>
-          </p:cNvSpPr>
-          <p:nvPr>
-            <p:ph type="body" idx="1"/>
-          </p:nvPr>
-        </p:nvSpPr>
-        <p:spPr/>
-        <p:txBody>
-          <a:bodyPr/>
-          <a:lstStyle/>
-          <a:p>
-            <a:pPr algn="l" rtl="0">
-              <a:lnSpc>
-                <a:spcPct val="90000"/>
-              </a:lnSpc>
-            </a:pPr>
-            <a:r>
-              <a:rPr lang="en-US" sz="2800"/>
-              <a:t>Training Examples are 19X19 frames.</a:t>
-            </a:r>
-          </a:p>
-          <a:p>
-            <a:pPr algn="l" rtl="0">
-              <a:lnSpc>
-                <a:spcPct val="90000"/>
-              </a:lnSpc>
-            </a:pPr>
-            <a:r>
-              <a:rPr lang="en-US" sz="2800"/>
-              <a:t>During Training, every features is applied on all integral images of the training examples.</a:t>
-            </a:r>
-          </a:p>
-          <a:p>
-            <a:pPr algn="l" rtl="0">
-              <a:lnSpc>
-                <a:spcPct val="90000"/>
-              </a:lnSpc>
-            </a:pPr>
-            <a:r>
-              <a:rPr lang="en-US" sz="2800"/>
-              <a:t>In order to perform fast Integral Image computation, and to perform fast application of features on the examples, we decide to put all of the example frames in a 3D box.</a:t>
-            </a:r>
-          </a:p>
-          <a:p>
-            <a:pPr algn="l" rtl="0">
-              <a:lnSpc>
-                <a:spcPct val="90000"/>
-              </a:lnSpc>
-            </a:pPr>
-            <a:r>
-              <a:rPr lang="en-US" sz="2800"/>
-              <a:t>We use the 3D box in Testing as well, putting all of the sliding windows of the test image in it.</a:t>
-            </a:r>
-          </a:p>
-        </p:txBody>
-      </p:sp>
-    </p:spTree>
-  </p:cSld>
-  <p:clrMapOvr>
-    <a:masterClrMapping/>
-  </p:clrMapOvr>
-  <p:timing>
-    <p:tnLst>
-      <p:par>
-        <p:cTn id="1" dur="indefinite" restart="never" nodeType="tmRoot"/>
-      </p:par>
-    </p:tnLst>
-  </p:timing>
-</p:sld>
-</file>
-
-<file path=ppt/slides/slide23.xml><?xml version="1.0" encoding="utf-8"?>
 <p:sld xmlns:a="http://schemas.openxmlformats.org/drawingml/2006/main" xmlns:r="http://schemas.openxmlformats.org/officeDocument/2006/relationships" xmlns:p="http://schemas.openxmlformats.org/presentationml/2006/main">
   <p:cSld>
     <p:spTree>
@@ -6098,6 +5936,129 @@
 </p:sld>
 </file>
 
+<file path=ppt/slides/slide23.xml><?xml version="1.0" encoding="utf-8"?>
+<p:sld xmlns:a="http://schemas.openxmlformats.org/drawingml/2006/main" xmlns:r="http://schemas.openxmlformats.org/officeDocument/2006/relationships" xmlns:p="http://schemas.openxmlformats.org/presentationml/2006/main">
+  <p:cSld>
+    <p:spTree>
+      <p:nvGrpSpPr>
+        <p:cNvPr id="1" name=""/>
+        <p:cNvGrpSpPr/>
+        <p:nvPr/>
+      </p:nvGrpSpPr>
+      <p:grpSpPr>
+        <a:xfrm>
+          <a:off x="0" y="0"/>
+          <a:ext cx="0" cy="0"/>
+          <a:chOff x="0" y="0"/>
+          <a:chExt cx="0" cy="0"/>
+        </a:xfrm>
+      </p:grpSpPr>
+      <p:sp>
+        <p:nvSpPr>
+          <p:cNvPr id="179202" name="Rectangle 2"/>
+          <p:cNvSpPr>
+            <a:spLocks noGrp="1" noChangeArrowheads="1"/>
+          </p:cNvSpPr>
+          <p:nvPr>
+            <p:ph type="title"/>
+          </p:nvPr>
+        </p:nvSpPr>
+        <p:spPr/>
+        <p:txBody>
+          <a:bodyPr/>
+          <a:lstStyle/>
+          <a:p>
+            <a:pPr rtl="0"/>
+            <a:r>
+              <a:rPr lang="en-US" b="1"/>
+              <a:t>“Boxing” the examples (3)</a:t>
+            </a:r>
+          </a:p>
+        </p:txBody>
+      </p:sp>
+      <p:sp>
+        <p:nvSpPr>
+          <p:cNvPr id="179203" name="Rectangle 3"/>
+          <p:cNvSpPr>
+            <a:spLocks noGrp="1" noChangeArrowheads="1"/>
+          </p:cNvSpPr>
+          <p:nvPr>
+            <p:ph type="body" idx="1"/>
+          </p:nvPr>
+        </p:nvSpPr>
+        <p:spPr/>
+        <p:txBody>
+          <a:bodyPr/>
+          <a:lstStyle/>
+          <a:p>
+            <a:pPr algn="l" rtl="0">
+              <a:lnSpc>
+                <a:spcPct val="90000"/>
+              </a:lnSpc>
+            </a:pPr>
+            <a:r>
+              <a:rPr lang="en-US" sz="2400"/>
+              <a:t>Once all of the examples or sliding windows are in the box, simultaneous computation of each frame's Integral Image is as easy as 2 lines of code in matlab (no loops involved):</a:t>
+            </a:r>
+            <a:r>
+              <a:rPr lang="en-US" sz="2400" i="1"/>
+              <a:t/>
+            </a:r>
+            <a:br>
+              <a:rPr lang="en-US" sz="2400" i="1"/>
+            </a:br>
+            <a:r>
+              <a:rPr lang="en-US" sz="2400" i="1"/>
+              <a:t>box = cumsum(box,1);</a:t>
+            </a:r>
+            <a:br>
+              <a:rPr lang="en-US" sz="2400" i="1"/>
+            </a:br>
+            <a:r>
+              <a:rPr lang="en-US" sz="2400" i="1"/>
+              <a:t>box = cumsum(box,2);</a:t>
+            </a:r>
+            <a:endParaRPr lang="en-US" sz="2400"/>
+          </a:p>
+          <a:p>
+            <a:pPr algn="l" rtl="0">
+              <a:lnSpc>
+                <a:spcPct val="90000"/>
+              </a:lnSpc>
+            </a:pPr>
+            <a:r>
+              <a:rPr lang="en-US" sz="2400"/>
+              <a:t>computing a feature's application simultaneously on all examples or sliding windows becomes much faster, (colon operation in Matlab).</a:t>
+            </a:r>
+          </a:p>
+          <a:p>
+            <a:pPr algn="l" rtl="0">
+              <a:lnSpc>
+                <a:spcPct val="90000"/>
+              </a:lnSpc>
+            </a:pPr>
+            <a:r>
+              <a:rPr lang="en-US" sz="2400"/>
+              <a:t>Padding the image examples with zeros (as the 1st row &amp; 1st column)</a:t>
+            </a:r>
+          </a:p>
+        </p:txBody>
+      </p:sp>
+    </p:spTree>
+  </p:cSld>
+  <p:clrMapOvr>
+    <a:masterClrMapping/>
+  </p:clrMapOvr>
+  <p:timing>
+    <p:tnLst>
+      <p:par>
+        <p:cTn id="1" dur="indefinite" restart="never" nodeType="tmRoot"/>
+      </p:par>
+    </p:tnLst>
+  </p:timing>
+</p:sld>
+</file>
+
 <file path=ppt/slides/slide24.xml><?xml version="1.0" encoding="utf-8"?>
 <p:sld xmlns:a="http://schemas.openxmlformats.org/drawingml/2006/main" xmlns:r="http://schemas.openxmlformats.org/officeDocument/2006/relationships" xmlns:p="http://schemas.openxmlformats.org/presentationml/2006/main">
   <p:cSld>
@@ -6117,7 +6078,7 @@
       </p:grpSpPr>
       <p:sp>
         <p:nvSpPr>
-          <p:cNvPr id="179202" name="Rectangle 2"/>
+          <p:cNvPr id="160770" name="Rectangle 2"/>
           <p:cNvSpPr>
             <a:spLocks noGrp="1" noChangeArrowheads="1"/>
           </p:cNvSpPr>
@@ -6130,17 +6091,16 @@
           <a:bodyPr/>
           <a:lstStyle/>
           <a:p>
-            <a:pPr rtl="0"/>
-            <a:r>
-              <a:rPr lang="en-US" b="1"/>
-              <a:t>“Boxing” the examples (3)</a:t>
-            </a:r>
-          </a:p>
-        </p:txBody>
-      </p:sp>
-      <p:sp>
-        <p:nvSpPr>
-          <p:cNvPr id="179203" name="Rectangle 3"/>
+            <a:r>
+              <a:rPr lang="en-US" sz="4000" b="1"/>
+              <a:t>Calculating Feature application values only Once</a:t>
+            </a:r>
+          </a:p>
+        </p:txBody>
+      </p:sp>
+      <p:sp>
+        <p:nvSpPr>
+          <p:cNvPr id="160771" name="Rectangle 3"/>
           <p:cNvSpPr>
             <a:spLocks noGrp="1" noChangeArrowheads="1"/>
           </p:cNvSpPr>
@@ -6148,7 +6108,12 @@
             <p:ph type="body" idx="1"/>
           </p:nvPr>
         </p:nvSpPr>
-        <p:spPr/>
+        <p:spPr>
+          <a:xfrm>
+            <a:off x="457200" y="1981200"/>
+            <a:ext cx="8229600" cy="4876800"/>
+          </a:xfrm>
+        </p:spPr>
         <p:txBody>
           <a:bodyPr/>
           <a:lstStyle/>
@@ -6159,28 +6124,9 @@
               </a:lnSpc>
             </a:pPr>
             <a:r>
-              <a:rPr lang="en-US" sz="2400"/>
-              <a:t>Once all of the examples or sliding windows are in the box, simultaneous computation of each frame's Integral Image is as easy as 2 lines of code in matlab (no loops involved):</a:t>
-            </a:r>
-            <a:r>
-              <a:rPr lang="en-US" sz="2400" i="1"/>
-              <a:t/>
-            </a:r>
-            <a:br>
-              <a:rPr lang="en-US" sz="2400" i="1"/>
-            </a:br>
-            <a:r>
-              <a:rPr lang="en-US" sz="2400" i="1"/>
-              <a:t>box = cumsum(box,1);</a:t>
-            </a:r>
-            <a:br>
-              <a:rPr lang="en-US" sz="2400" i="1"/>
-            </a:br>
-            <a:r>
-              <a:rPr lang="en-US" sz="2400" i="1"/>
-              <a:t>box = cumsum(box,2);</a:t>
-            </a:r>
-            <a:endParaRPr lang="en-US" sz="2400"/>
+              <a:rPr lang="en-US" sz="2800"/>
+              <a:t>In training, Feature application values are computed before we start the learning process for all training examples simultaneously. </a:t>
+            </a:r>
           </a:p>
           <a:p>
             <a:pPr algn="l" rtl="0">
@@ -6189,8 +6135,8 @@
               </a:lnSpc>
             </a:pPr>
             <a:r>
-              <a:rPr lang="en-US" sz="2400"/>
-              <a:t>computing a feature's application simultaneously on all examples or sliding windows becomes much faster, (colon operation in Matlab).</a:t>
+              <a:rPr lang="en-US" sz="2800"/>
+              <a:t>The result is a matrix with m rows representing m features &amp; n columns representing n examples. Each matrix element is a feature applied on a training example.</a:t>
             </a:r>
           </a:p>
           <a:p>
@@ -6200,8 +6146,8 @@
               </a:lnSpc>
             </a:pPr>
             <a:r>
-              <a:rPr lang="en-US" sz="2400"/>
-              <a:t>Padding the image examples with zeros (as the 1st row &amp; 1st column)</a:t>
+              <a:rPr lang="en-US" sz="2800"/>
+              <a:t>Because of this data structure we only compute the feature application for each training example once during the entire training process (adaboost + cascade).</a:t>
             </a:r>
           </a:p>
         </p:txBody>
@@ -6240,7 +6186,7 @@
       </p:grpSpPr>
       <p:sp>
         <p:nvSpPr>
-          <p:cNvPr id="160770" name="Rectangle 2"/>
+          <p:cNvPr id="208898" name="Rectangle 2"/>
           <p:cNvSpPr>
             <a:spLocks noGrp="1" noChangeArrowheads="1"/>
           </p:cNvSpPr>
@@ -6253,16 +6199,17 @@
           <a:bodyPr/>
           <a:lstStyle/>
           <a:p>
+            <a:pPr rtl="0"/>
             <a:r>
               <a:rPr lang="en-US" sz="4000" b="1"/>
-              <a:t>Calculating Feature application values only Once</a:t>
-            </a:r>
-          </a:p>
-        </p:txBody>
-      </p:sp>
-      <p:sp>
-        <p:nvSpPr>
-          <p:cNvPr id="160771" name="Rectangle 3"/>
+              <a:t>Calculating Feature application values only Once (2)</a:t>
+            </a:r>
+          </a:p>
+        </p:txBody>
+      </p:sp>
+      <p:sp>
+        <p:nvSpPr>
+          <p:cNvPr id="208899" name="Rectangle 3"/>
           <p:cNvSpPr>
             <a:spLocks noGrp="1" noChangeArrowheads="1"/>
           </p:cNvSpPr>
@@ -6270,12 +6217,7 @@
             <p:ph type="body" idx="1"/>
           </p:nvPr>
         </p:nvSpPr>
-        <p:spPr>
-          <a:xfrm>
-            <a:off x="457200" y="1981200"/>
-            <a:ext cx="8229600" cy="4876800"/>
-          </a:xfrm>
-        </p:spPr>
+        <p:spPr/>
         <p:txBody>
           <a:bodyPr/>
           <a:lstStyle/>
@@ -6286,8 +6228,8 @@
               </a:lnSpc>
             </a:pPr>
             <a:r>
-              <a:rPr lang="en-US" sz="2800"/>
-              <a:t>In training, Feature application values are computed before we start the learning process for all training examples simultaneously. </a:t>
+              <a:rPr lang="en-US" sz="2400"/>
+              <a:t>All iterations of the Adaboost process use the same feature application values, including threshold determination &amp; misclassification calculation. </a:t>
             </a:r>
           </a:p>
           <a:p>
@@ -6297,20 +6239,17 @@
               </a:lnSpc>
             </a:pPr>
             <a:r>
-              <a:rPr lang="en-US" sz="2800"/>
-              <a:t>The result is a matrix with m rows representing m features &amp; n columns representing n examples. Each matrix element is a feature applied on a training example.</a:t>
-            </a:r>
-          </a:p>
-          <a:p>
-            <a:pPr algn="l" rtl="0">
-              <a:lnSpc>
-                <a:spcPct val="90000"/>
-              </a:lnSpc>
-            </a:pPr>
-            <a:r>
-              <a:rPr lang="en-US" sz="2800"/>
-              <a:t>Because of this data structure we only compute the feature application for each training example once during the entire training process (adaboost + cascade).</a:t>
-            </a:r>
+              <a:rPr lang="en-US" sz="2400"/>
+              <a:t>Even when cascade training process discards parts of the negative examples that are definitely not considered as a face, there is no need for any new calculations. Instead of discarding the irrelevant negative examples, the corresponding irrelevant feature application values are discarded.</a:t>
+            </a:r>
+            <a:r>
+              <a:rPr lang="en-US" sz="2400" b="1"/>
+              <a:t/>
+            </a:r>
+            <a:br>
+              <a:rPr lang="en-US" sz="2400" b="1"/>
+            </a:br>
+            <a:endParaRPr lang="en-US" sz="2400" b="1"/>
           </a:p>
         </p:txBody>
       </p:sp>
@@ -6319,13 +6258,6 @@
   <p:clrMapOvr>
     <a:masterClrMapping/>
   </p:clrMapOvr>
-  <p:timing>
-    <p:tnLst>
-      <p:par>
-        <p:cTn id="1" dur="indefinite" restart="never" nodeType="tmRoot"/>
-      </p:par>
-    </p:tnLst>
-  </p:timing>
 </p:sld>
 </file>
 
@@ -6348,7 +6280,7 @@
       </p:grpSpPr>
       <p:sp>
         <p:nvSpPr>
-          <p:cNvPr id="208898" name="Rectangle 2"/>
+          <p:cNvPr id="161794" name="Rectangle 2"/>
           <p:cNvSpPr>
             <a:spLocks noGrp="1" noChangeArrowheads="1"/>
           </p:cNvSpPr>
@@ -6361,17 +6293,17 @@
           <a:bodyPr/>
           <a:lstStyle/>
           <a:p>
-            <a:pPr rtl="0"/>
-            <a:r>
-              <a:rPr lang="en-US" sz="4000" b="1"/>
-              <a:t>Calculating Feature application values only Once (2)</a:t>
-            </a:r>
-          </a:p>
-        </p:txBody>
-      </p:sp>
-      <p:sp>
-        <p:nvSpPr>
-          <p:cNvPr id="208899" name="Rectangle 3"/>
+            <a:r>
+              <a:rPr lang="en-US" sz="3600" b="1"/>
+              <a:t>Simultaneous Misclassification Calculation &amp; Examples Weights Update</a:t>
+            </a:r>
+            <a:endParaRPr lang="en-US" sz="4000" b="1" i="1"/>
+          </a:p>
+        </p:txBody>
+      </p:sp>
+      <p:sp>
+        <p:nvSpPr>
+          <p:cNvPr id="161795" name="Rectangle 3"/>
           <p:cNvSpPr>
             <a:spLocks noGrp="1" noChangeArrowheads="1"/>
           </p:cNvSpPr>
@@ -6386,32 +6318,64 @@
           <a:p>
             <a:pPr algn="l" rtl="0">
               <a:lnSpc>
-                <a:spcPct val="90000"/>
+                <a:spcPct val="80000"/>
               </a:lnSpc>
             </a:pPr>
             <a:r>
-              <a:rPr lang="en-US" sz="2400"/>
-              <a:t>All iterations of the Adaboost process use the same feature application values, including threshold determination &amp; misclassification calculation. </a:t>
-            </a:r>
-          </a:p>
-          <a:p>
-            <a:pPr algn="l" rtl="0">
-              <a:lnSpc>
-                <a:spcPct val="90000"/>
-              </a:lnSpc>
-            </a:pPr>
-            <a:r>
-              <a:rPr lang="en-US" sz="2400"/>
-              <a:t>Even when cascade training process discards parts of the negative examples that are definitely not considered as a face, there is no need for any new calculations. Instead of discarding the irrelevant negative examples, the corresponding irrelevant feature application values are discarded.</a:t>
-            </a:r>
-            <a:r>
-              <a:rPr lang="en-US" sz="2400" b="1"/>
+              <a:rPr lang="en-US" sz="2800"/>
+              <a:t>Updating Weights Adaboost stage is performed as such that misclassification calculation of the example set &amp; the weights updating of the example set are done at once.</a:t>
+            </a:r>
+            <a:br>
+              <a:rPr lang="en-US" sz="2800"/>
+            </a:br>
+            <a:r>
+              <a:rPr lang="en-US" sz="2800"/>
+              <a:t>Pseudo Code:</a:t>
+            </a:r>
+            <a:br>
+              <a:rPr lang="en-US" sz="2800"/>
+            </a:br>
+            <a:r>
+              <a:rPr lang="en-US" sz="2800"/>
+              <a:t>- sort examples values </a:t>
+            </a:r>
+            <a:br>
+              <a:rPr lang="en-US" sz="2800"/>
+            </a:br>
+            <a:r>
+              <a:rPr lang="en-US" sz="2800"/>
+              <a:t>- apply threshold</a:t>
+            </a:r>
+            <a:br>
+              <a:rPr lang="en-US" sz="2800"/>
+            </a:br>
+            <a:r>
+              <a:rPr lang="en-US" sz="2800"/>
+              <a:t>- </a:t>
+            </a:r>
+            <a:r>
+              <a:rPr lang="en-US" sz="2800" b="1"/>
+              <a:t>xor</a:t>
+            </a:r>
+            <a:r>
+              <a:rPr lang="en-US" sz="2800"/>
+              <a:t> with labels</a:t>
+            </a:r>
+            <a:br>
+              <a:rPr lang="en-US" sz="2800"/>
+            </a:br>
+            <a:r>
+              <a:rPr lang="en-US" sz="2800"/>
+              <a:t>- update weights for every misclassified example</a:t>
+            </a:r>
+            <a:r>
+              <a:rPr lang="en-US" sz="2800" b="1" i="1"/>
               <a:t/>
             </a:r>
             <a:br>
-              <a:rPr lang="en-US" sz="2400" b="1"/>
+              <a:rPr lang="en-US" sz="2800" b="1" i="1"/>
             </a:br>
-            <a:endParaRPr lang="en-US" sz="2400" b="1"/>
+            <a:endParaRPr lang="en-US" sz="2800" b="1" i="1"/>
           </a:p>
         </p:txBody>
       </p:sp>
@@ -6420,6 +6384,13 @@
   <p:clrMapOvr>
     <a:masterClrMapping/>
   </p:clrMapOvr>
+  <p:timing>
+    <p:tnLst>
+      <p:par>
+        <p:cTn id="1" dur="indefinite" restart="never" nodeType="tmRoot"/>
+      </p:par>
+    </p:tnLst>
+  </p:timing>
 </p:sld>
 </file>
 
@@ -6442,7 +6413,7 @@
       </p:grpSpPr>
       <p:sp>
         <p:nvSpPr>
-          <p:cNvPr id="161794" name="Rectangle 2"/>
+          <p:cNvPr id="162818" name="Rectangle 2"/>
           <p:cNvSpPr>
             <a:spLocks noGrp="1" noChangeArrowheads="1"/>
           </p:cNvSpPr>
@@ -6456,16 +6427,16 @@
           <a:lstStyle/>
           <a:p>
             <a:r>
-              <a:rPr lang="en-US" sz="3600" b="1"/>
-              <a:t>Simultaneous Misclassification Calculation &amp; Examples Weights Update</a:t>
-            </a:r>
-            <a:endParaRPr lang="en-US" sz="4000" b="1" i="1"/>
-          </a:p>
-        </p:txBody>
-      </p:sp>
-      <p:sp>
-        <p:nvSpPr>
-          <p:cNvPr id="161795" name="Rectangle 3"/>
+              <a:rPr lang="en-US" sz="4000" b="1" i="1"/>
+              <a:t>Reduce correctness testing time</a:t>
+            </a:r>
+            <a:endParaRPr lang="en-US" sz="4000"/>
+          </a:p>
+        </p:txBody>
+      </p:sp>
+      <p:sp>
+        <p:nvSpPr>
+          <p:cNvPr id="162819" name="Rectangle 3"/>
           <p:cNvSpPr>
             <a:spLocks noGrp="1" noChangeArrowheads="1"/>
           </p:cNvSpPr>
@@ -6484,60 +6455,42 @@
               </a:lnSpc>
             </a:pPr>
             <a:r>
-              <a:rPr lang="en-US" sz="2800"/>
-              <a:t>Updating Weights Adaboost stage is performed as such that misclassification calculation of the example set &amp; the weights updating of the example set are done at once.</a:t>
-            </a:r>
-            <a:br>
-              <a:rPr lang="en-US" sz="2800"/>
-            </a:br>
-            <a:r>
-              <a:rPr lang="en-US" sz="2800"/>
-              <a:t>Pseudo Code:</a:t>
-            </a:r>
-            <a:br>
-              <a:rPr lang="en-US" sz="2800"/>
-            </a:br>
-            <a:r>
-              <a:rPr lang="en-US" sz="2800"/>
-              <a:t>- sort examples values </a:t>
-            </a:r>
-            <a:br>
-              <a:rPr lang="en-US" sz="2800"/>
-            </a:br>
-            <a:r>
-              <a:rPr lang="en-US" sz="2800"/>
-              <a:t>- apply threshold</a:t>
-            </a:r>
-            <a:br>
-              <a:rPr lang="en-US" sz="2800"/>
-            </a:br>
-            <a:r>
-              <a:rPr lang="en-US" sz="2800"/>
-              <a:t>- </a:t>
-            </a:r>
-            <a:r>
-              <a:rPr lang="en-US" sz="2800" b="1"/>
-              <a:t>xor</a:t>
-            </a:r>
-            <a:r>
-              <a:rPr lang="en-US" sz="2800"/>
-              <a:t> with labels</a:t>
-            </a:r>
-            <a:br>
-              <a:rPr lang="en-US" sz="2800"/>
-            </a:br>
-            <a:r>
-              <a:rPr lang="en-US" sz="2800"/>
-              <a:t>- update weights for every misclassified example</a:t>
-            </a:r>
-            <a:r>
-              <a:rPr lang="en-US" sz="2800" b="1" i="1"/>
-              <a:t/>
-            </a:r>
-            <a:br>
-              <a:rPr lang="en-US" sz="2800" b="1" i="1"/>
-            </a:br>
-            <a:endParaRPr lang="en-US" sz="2800" b="1" i="1"/>
+              <a:rPr lang="en-US" sz="2000"/>
+              <a:t>When we finished writing the code, we decided we will not immediately jump to check if we got nice results on test images, but write unit tests instead, i.e. methodically test for bugs and correctness of each of the functions we wrote.</a:t>
+            </a:r>
+          </a:p>
+          <a:p>
+            <a:pPr algn="l" rtl="0">
+              <a:lnSpc>
+                <a:spcPct val="80000"/>
+              </a:lnSpc>
+            </a:pPr>
+            <a:r>
+              <a:rPr lang="en-US" sz="2000"/>
+              <a:t>In order for these unit tests to be independent of each other (so there will be no "running error") we simulated new inputs for each of the functions.</a:t>
+            </a:r>
+          </a:p>
+          <a:p>
+            <a:pPr algn="l" rtl="0">
+              <a:lnSpc>
+                <a:spcPct val="80000"/>
+              </a:lnSpc>
+            </a:pPr>
+            <a:r>
+              <a:rPr lang="en-US" sz="2000"/>
+              <a:t>Only after we had finished this, we started testing to see if our implementation gives meaningful results. </a:t>
+            </a:r>
+          </a:p>
+          <a:p>
+            <a:pPr algn="l" rtl="0">
+              <a:lnSpc>
+                <a:spcPct val="80000"/>
+              </a:lnSpc>
+            </a:pPr>
+            <a:r>
+              <a:rPr lang="en-US" sz="2000"/>
+              <a:t>The thought behind doing extensive unit testing was to significantly reduce functional testing time and to focus our minds first on simple bugs and in later stage on more complex errors in implementation.</a:t>
+            </a:r>
           </a:p>
         </p:txBody>
       </p:sp>
@@ -6575,7 +6528,7 @@
       </p:grpSpPr>
       <p:sp>
         <p:nvSpPr>
-          <p:cNvPr id="162818" name="Rectangle 2"/>
+          <p:cNvPr id="150530" name="Rectangle 2"/>
           <p:cNvSpPr>
             <a:spLocks noGrp="1" noChangeArrowheads="1"/>
           </p:cNvSpPr>
@@ -6583,75 +6536,19 @@
             <p:ph type="title"/>
           </p:nvPr>
         </p:nvSpPr>
-        <p:spPr/>
+        <p:spPr>
+          <a:xfrm>
+            <a:off x="2700338" y="2924175"/>
+            <a:ext cx="8229600" cy="1371600"/>
+          </a:xfrm>
+        </p:spPr>
         <p:txBody>
           <a:bodyPr/>
           <a:lstStyle/>
           <a:p>
             <a:r>
-              <a:rPr lang="en-US" sz="4000" b="1" i="1"/>
-              <a:t>Reduce correctness testing time</a:t>
-            </a:r>
-            <a:endParaRPr lang="en-US" sz="4000"/>
-          </a:p>
-        </p:txBody>
-      </p:sp>
-      <p:sp>
-        <p:nvSpPr>
-          <p:cNvPr id="162819" name="Rectangle 3"/>
-          <p:cNvSpPr>
-            <a:spLocks noGrp="1" noChangeArrowheads="1"/>
-          </p:cNvSpPr>
-          <p:nvPr>
-            <p:ph type="body" idx="1"/>
-          </p:nvPr>
-        </p:nvSpPr>
-        <p:spPr/>
-        <p:txBody>
-          <a:bodyPr/>
-          <a:lstStyle/>
-          <a:p>
-            <a:pPr algn="l" rtl="0">
-              <a:lnSpc>
-                <a:spcPct val="80000"/>
-              </a:lnSpc>
-            </a:pPr>
-            <a:r>
-              <a:rPr lang="en-US" sz="2000"/>
-              <a:t>When we finished writing the code, we decided we will not immediately jump to check if we got nice results on test images, but write unit tests instead, i.e. methodically test for bugs and correctness of each of the functions we wrote.</a:t>
-            </a:r>
-          </a:p>
-          <a:p>
-            <a:pPr algn="l" rtl="0">
-              <a:lnSpc>
-                <a:spcPct val="80000"/>
-              </a:lnSpc>
-            </a:pPr>
-            <a:r>
-              <a:rPr lang="en-US" sz="2000"/>
-              <a:t>In order for these unit tests to be independent of each other (so there will be no "running error") we simulated new inputs for each of the functions.</a:t>
-            </a:r>
-          </a:p>
-          <a:p>
-            <a:pPr algn="l" rtl="0">
-              <a:lnSpc>
-                <a:spcPct val="80000"/>
-              </a:lnSpc>
-            </a:pPr>
-            <a:r>
-              <a:rPr lang="en-US" sz="2000"/>
-              <a:t>Only after we had finished this, we started testing to see if our implementation gives meaningful results. </a:t>
-            </a:r>
-          </a:p>
-          <a:p>
-            <a:pPr algn="l" rtl="0">
-              <a:lnSpc>
-                <a:spcPct val="80000"/>
-              </a:lnSpc>
-            </a:pPr>
-            <a:r>
-              <a:rPr lang="en-US" sz="2000"/>
-              <a:t>The thought behind doing extensive unit testing was to significantly reduce functional testing time and to focus our minds first on simple bugs and in later stage on more complex errors in implementation.</a:t>
+              <a:rPr lang="en-US"/>
+              <a:t>Results</a:t>
             </a:r>
           </a:p>
         </p:txBody>
@@ -6690,27 +6587,57 @@
       </p:grpSpPr>
       <p:sp>
         <p:nvSpPr>
-          <p:cNvPr id="150530" name="Rectangle 2"/>
+          <p:cNvPr id="184323" name="Rectangle 3"/>
           <p:cNvSpPr>
             <a:spLocks noGrp="1" noChangeArrowheads="1"/>
           </p:cNvSpPr>
           <p:nvPr>
-            <p:ph type="title"/>
-          </p:nvPr>
-        </p:nvSpPr>
-        <p:spPr>
-          <a:xfrm>
-            <a:off x="2700338" y="2924175"/>
-            <a:ext cx="8229600" cy="1371600"/>
-          </a:xfrm>
-        </p:spPr>
+            <p:ph type="body" idx="1"/>
+          </p:nvPr>
+        </p:nvSpPr>
+        <p:spPr/>
         <p:txBody>
           <a:bodyPr/>
           <a:lstStyle/>
           <a:p>
-            <a:r>
-              <a:rPr lang="en-US"/>
-              <a:t>Results</a:t>
+            <a:pPr algn="l" rtl="0">
+              <a:lnSpc>
+                <a:spcPct val="90000"/>
+              </a:lnSpc>
+            </a:pPr>
+            <a:r>
+              <a:rPr lang="en-US" sz="2800"/>
+              <a:t>Our final detector is a cascade of 9 classifiers with a total of 206 features.</a:t>
+            </a:r>
+          </a:p>
+          <a:p>
+            <a:pPr algn="l" rtl="0">
+              <a:lnSpc>
+                <a:spcPct val="90000"/>
+              </a:lnSpc>
+            </a:pPr>
+            <a:r>
+              <a:rPr lang="en-US" sz="2800"/>
+              <a:t>The training set was comprised of Faces &amp; Non-Faces examples of size 19X19.</a:t>
+            </a:r>
+          </a:p>
+          <a:p>
+            <a:pPr algn="l" rtl="0">
+              <a:lnSpc>
+                <a:spcPct val="90000"/>
+              </a:lnSpc>
+            </a:pPr>
+            <a:r>
+              <a:rPr lang="en-US" sz="2800"/>
+              <a:t>The first 5 classifiers were trained on 2429 faces &amp; 4548 non-faces from the </a:t>
+            </a:r>
+            <a:r>
+              <a:rPr lang="en-US" sz="2800" i="1"/>
+              <a:t>CBCL face database</a:t>
+            </a:r>
+            <a:r>
+              <a:rPr lang="en-US" sz="2800"/>
+              <a:t> using the cascade method (we set the detection rate to be 99% and the false positive rate to be 0.25%).</a:t>
             </a:r>
           </a:p>
         </p:txBody>
@@ -6859,7 +6786,7 @@
       </p:grpSpPr>
       <p:sp>
         <p:nvSpPr>
-          <p:cNvPr id="184322" name="Rectangle 2"/>
+          <p:cNvPr id="185346" name="Rectangle 2"/>
           <p:cNvSpPr>
             <a:spLocks noGrp="1" noChangeArrowheads="1"/>
           </p:cNvSpPr>
@@ -6872,13 +6799,14 @@
           <a:bodyPr/>
           <a:lstStyle/>
           <a:p>
+            <a:pPr rtl="0"/>
             <a:endParaRPr lang="en-US"/>
           </a:p>
         </p:txBody>
       </p:sp>
       <p:sp>
         <p:nvSpPr>
-          <p:cNvPr id="184323" name="Rectangle 3"/>
+          <p:cNvPr id="185347" name="Rectangle 3"/>
           <p:cNvSpPr>
             <a:spLocks noGrp="1" noChangeArrowheads="1"/>
           </p:cNvSpPr>
@@ -6897,8 +6825,8 @@
               </a:lnSpc>
             </a:pPr>
             <a:r>
-              <a:rPr lang="en-US" sz="2800"/>
-              <a:t>Our final detector is a cascade of 9 classifiers with a total of 206 features.</a:t>
+              <a:rPr lang="en-US"/>
+              <a:t>The next 3 classifiers were trained independently on 4500 Non-faces examples each, that were taken from the previous partial cascade resulting false alarms on random images from the web, which had no faces in them </a:t>
             </a:r>
           </a:p>
           <a:p>
@@ -6908,27 +6836,8 @@
               </a:lnSpc>
             </a:pPr>
             <a:r>
-              <a:rPr lang="en-US" sz="2800"/>
-              <a:t>The training set was comprised of Faces &amp; Non-Faces examples of size 19X19.</a:t>
-            </a:r>
-          </a:p>
-          <a:p>
-            <a:pPr algn="l" rtl="0">
-              <a:lnSpc>
-                <a:spcPct val="90000"/>
-              </a:lnSpc>
-            </a:pPr>
-            <a:r>
-              <a:rPr lang="en-US" sz="2800"/>
-              <a:t>The first 5 classifiers were trained on 2429 faces &amp; 4548 non-faces from the </a:t>
-            </a:r>
-            <a:r>
-              <a:rPr lang="en-US" sz="2800" i="1"/>
-              <a:t>CBCL face database</a:t>
-            </a:r>
-            <a:r>
-              <a:rPr lang="en-US" sz="2800"/>
-              <a:t> using the cascade method (we set the detection rate to be 99% and the false positive rate to be 0.25%).</a:t>
+              <a:rPr lang="en-US"/>
+              <a:t>(we set the detection rate to be 99.7% and the false positive rate to be 0.1%).</a:t>
             </a:r>
           </a:p>
         </p:txBody>
@@ -6967,27 +6876,7 @@
       </p:grpSpPr>
       <p:sp>
         <p:nvSpPr>
-          <p:cNvPr id="185346" name="Rectangle 2"/>
-          <p:cNvSpPr>
-            <a:spLocks noGrp="1" noChangeArrowheads="1"/>
-          </p:cNvSpPr>
-          <p:nvPr>
-            <p:ph type="title"/>
-          </p:nvPr>
-        </p:nvSpPr>
-        <p:spPr/>
-        <p:txBody>
-          <a:bodyPr/>
-          <a:lstStyle/>
-          <a:p>
-            <a:pPr rtl="0"/>
-            <a:endParaRPr lang="en-US"/>
-          </a:p>
-        </p:txBody>
-      </p:sp>
-      <p:sp>
-        <p:nvSpPr>
-          <p:cNvPr id="185347" name="Rectangle 3"/>
+          <p:cNvPr id="186371" name="Rectangle 3"/>
           <p:cNvSpPr>
             <a:spLocks noGrp="1" noChangeArrowheads="1"/>
           </p:cNvSpPr>
@@ -7007,7 +6896,7 @@
             </a:pPr>
             <a:r>
               <a:rPr lang="en-US"/>
-              <a:t>The next 3 classifiers were trained independently on 4500 Non-faces examples each, that were taken from the previous partial cascade resulting false alarms on random images from the web, which had no faces in them </a:t>
+              <a:t>The final 9th classifier was trained in the same way as the previous three, only this time the non-faces examples were taken from the partial cascade comprising 8 classifiers resulting false alarms </a:t>
             </a:r>
           </a:p>
           <a:p>
@@ -7018,7 +6907,7 @@
             </a:pPr>
             <a:r>
               <a:rPr lang="en-US"/>
-              <a:t>(we set the detection rate to be 99.7% and the false positive rate to be 0.1%).</a:t>
+              <a:t>(we again set the detection rate to be 99.7% and the false positive rate to be 0.1%).</a:t>
             </a:r>
           </a:p>
         </p:txBody>
@@ -7055,116 +6944,6 @@
           <a:chExt cx="0" cy="0"/>
         </a:xfrm>
       </p:grpSpPr>
-      <p:sp>
-        <p:nvSpPr>
-          <p:cNvPr id="186370" name="Rectangle 2"/>
-          <p:cNvSpPr>
-            <a:spLocks noGrp="1" noChangeArrowheads="1"/>
-          </p:cNvSpPr>
-          <p:nvPr>
-            <p:ph type="title"/>
-          </p:nvPr>
-        </p:nvSpPr>
-        <p:spPr/>
-        <p:txBody>
-          <a:bodyPr/>
-          <a:lstStyle/>
-          <a:p>
-            <a:pPr rtl="0"/>
-            <a:endParaRPr lang="en-US"/>
-          </a:p>
-        </p:txBody>
-      </p:sp>
-      <p:sp>
-        <p:nvSpPr>
-          <p:cNvPr id="186371" name="Rectangle 3"/>
-          <p:cNvSpPr>
-            <a:spLocks noGrp="1" noChangeArrowheads="1"/>
-          </p:cNvSpPr>
-          <p:nvPr>
-            <p:ph type="body" idx="1"/>
-          </p:nvPr>
-        </p:nvSpPr>
-        <p:spPr/>
-        <p:txBody>
-          <a:bodyPr/>
-          <a:lstStyle/>
-          <a:p>
-            <a:pPr algn="l" rtl="0">
-              <a:lnSpc>
-                <a:spcPct val="90000"/>
-              </a:lnSpc>
-            </a:pPr>
-            <a:r>
-              <a:rPr lang="en-US"/>
-              <a:t>The final 9th classifier was trained in the same way as the previous three, only this time the non-faces examples were taken from the partial cascade comprising 8 classifiers resulting false alarms </a:t>
-            </a:r>
-          </a:p>
-          <a:p>
-            <a:pPr algn="l" rtl="0">
-              <a:lnSpc>
-                <a:spcPct val="90000"/>
-              </a:lnSpc>
-            </a:pPr>
-            <a:r>
-              <a:rPr lang="en-US"/>
-              <a:t>(we again set the detection rate to be 99.7% and the false positive rate to be 0.1%).</a:t>
-            </a:r>
-          </a:p>
-        </p:txBody>
-      </p:sp>
-    </p:spTree>
-  </p:cSld>
-  <p:clrMapOvr>
-    <a:masterClrMapping/>
-  </p:clrMapOvr>
-  <p:timing>
-    <p:tnLst>
-      <p:par>
-        <p:cTn id="1" dur="indefinite" restart="never" nodeType="tmRoot"/>
-      </p:par>
-    </p:tnLst>
-  </p:timing>
-</p:sld>
-</file>
-
-<file path=ppt/slides/slide33.xml><?xml version="1.0" encoding="utf-8"?>
-<p:sld xmlns:a="http://schemas.openxmlformats.org/drawingml/2006/main" xmlns:r="http://schemas.openxmlformats.org/officeDocument/2006/relationships" xmlns:p="http://schemas.openxmlformats.org/presentationml/2006/main">
-  <p:cSld>
-    <p:spTree>
-      <p:nvGrpSpPr>
-        <p:cNvPr id="1" name=""/>
-        <p:cNvGrpSpPr/>
-        <p:nvPr/>
-      </p:nvGrpSpPr>
-      <p:grpSpPr>
-        <a:xfrm>
-          <a:off x="0" y="0"/>
-          <a:ext cx="0" cy="0"/>
-          <a:chOff x="0" y="0"/>
-          <a:chExt cx="0" cy="0"/>
-        </a:xfrm>
-      </p:grpSpPr>
-      <p:sp>
-        <p:nvSpPr>
-          <p:cNvPr id="187394" name="Rectangle 2"/>
-          <p:cNvSpPr>
-            <a:spLocks noGrp="1" noChangeArrowheads="1"/>
-          </p:cNvSpPr>
-          <p:nvPr>
-            <p:ph type="title"/>
-          </p:nvPr>
-        </p:nvSpPr>
-        <p:spPr/>
-        <p:txBody>
-          <a:bodyPr/>
-          <a:lstStyle/>
-          <a:p>
-            <a:pPr rtl="0"/>
-            <a:endParaRPr lang="en-US"/>
-          </a:p>
-        </p:txBody>
-      </p:sp>
       <p:sp>
         <p:nvSpPr>
           <p:cNvPr id="187395" name="Rectangle 3"/>
@@ -7243,7 +7022,7 @@
 </p:sld>
 </file>
 
-<file path=ppt/slides/slide34.xml><?xml version="1.0" encoding="utf-8"?>
+<file path=ppt/slides/slide33.xml><?xml version="1.0" encoding="utf-8"?>
 <p:sld xmlns:a="http://schemas.openxmlformats.org/drawingml/2006/main" xmlns:r="http://schemas.openxmlformats.org/officeDocument/2006/relationships" xmlns:p="http://schemas.openxmlformats.org/presentationml/2006/main">
   <p:cSld>
     <p:spTree>
@@ -7276,7 +7055,23 @@
           <a:lstStyle/>
           <a:p>
             <a:pPr rtl="0"/>
-            <a:endParaRPr lang="en-US"/>
+            <a:r>
+              <a:rPr lang="en-US" dirty="0" smtClean="0"/>
+              <a:t>Selected </a:t>
+            </a:r>
+            <a:r>
+              <a:rPr lang="en-US" dirty="0" err="1" smtClean="0"/>
+              <a:t>Haar</a:t>
+            </a:r>
+            <a:r>
+              <a:rPr lang="en-US" dirty="0" smtClean="0"/>
+              <a:t> </a:t>
+            </a:r>
+            <a:r>
+              <a:rPr lang="en-US" dirty="0" smtClean="0"/>
+              <a:t>features</a:t>
+            </a:r>
+            <a:endParaRPr lang="en-US" dirty="0"/>
           </a:p>
         </p:txBody>
       </p:sp>
@@ -7284,7 +7079,7 @@
         <p:nvPicPr>
           <p:cNvPr id="188420" name="Picture 4"/>
           <p:cNvPicPr>
-            <a:picLocks noChangeAspect="1" noChangeArrowheads="1"/>
+            <a:picLocks noGrp="1" noChangeAspect="1" noChangeArrowheads="1"/>
           </p:cNvPicPr>
           <p:nvPr>
             <p:ph type="body" idx="1"/>
@@ -7321,7 +7116,7 @@
 </p:sld>
 </file>
 
-<file path=ppt/slides/slide35.xml><?xml version="1.0" encoding="utf-8"?>
+<file path=ppt/slides/slide34.xml><?xml version="1.0" encoding="utf-8"?>
 <p:sld xmlns:a="http://schemas.openxmlformats.org/drawingml/2006/main" xmlns:r="http://schemas.openxmlformats.org/officeDocument/2006/relationships" xmlns:p="http://schemas.openxmlformats.org/presentationml/2006/main">
   <p:cSld>
     <p:spTree>
@@ -7338,26 +7133,6 @@
           <a:chExt cx="0" cy="0"/>
         </a:xfrm>
       </p:grpSpPr>
-      <p:sp>
-        <p:nvSpPr>
-          <p:cNvPr id="189442" name="Rectangle 2"/>
-          <p:cNvSpPr>
-            <a:spLocks noGrp="1" noChangeArrowheads="1"/>
-          </p:cNvSpPr>
-          <p:nvPr>
-            <p:ph type="title"/>
-          </p:nvPr>
-        </p:nvSpPr>
-        <p:spPr/>
-        <p:txBody>
-          <a:bodyPr/>
-          <a:lstStyle/>
-          <a:p>
-            <a:pPr rtl="0"/>
-            <a:endParaRPr lang="en-US"/>
-          </a:p>
-        </p:txBody>
-      </p:sp>
       <p:sp>
         <p:nvSpPr>
           <p:cNvPr id="189443" name="Rectangle 3"/>
@@ -7424,7 +7199,7 @@
 </p:sld>
 </file>
 
-<file path=ppt/slides/slide36.xml><?xml version="1.0" encoding="utf-8"?>
+<file path=ppt/slides/slide35.xml><?xml version="1.0" encoding="utf-8"?>
 <p:sld xmlns:a="http://schemas.openxmlformats.org/drawingml/2006/main" xmlns:r="http://schemas.openxmlformats.org/officeDocument/2006/relationships" xmlns:p="http://schemas.openxmlformats.org/presentationml/2006/main">
   <p:cSld>
     <p:spTree>
@@ -7441,45 +7216,6 @@
           <a:chExt cx="0" cy="0"/>
         </a:xfrm>
       </p:grpSpPr>
-      <p:sp>
-        <p:nvSpPr>
-          <p:cNvPr id="190466" name="Rectangle 2"/>
-          <p:cNvSpPr>
-            <a:spLocks noGrp="1" noChangeArrowheads="1"/>
-          </p:cNvSpPr>
-          <p:nvPr>
-            <p:ph type="title"/>
-          </p:nvPr>
-        </p:nvSpPr>
-        <p:spPr/>
-        <p:txBody>
-          <a:bodyPr/>
-          <a:lstStyle/>
-          <a:p>
-            <a:pPr rtl="0"/>
-            <a:endParaRPr lang="en-US"/>
-          </a:p>
-        </p:txBody>
-      </p:sp>
-      <p:sp>
-        <p:nvSpPr>
-          <p:cNvPr id="190467" name="Rectangle 3"/>
-          <p:cNvSpPr>
-            <a:spLocks noGrp="1" noChangeArrowheads="1"/>
-          </p:cNvSpPr>
-          <p:nvPr>
-            <p:ph type="body" idx="1"/>
-          </p:nvPr>
-        </p:nvSpPr>
-        <p:spPr/>
-        <p:txBody>
-          <a:bodyPr/>
-          <a:lstStyle/>
-          <a:p>
-            <a:endParaRPr lang="en-US"/>
-          </a:p>
-        </p:txBody>
-      </p:sp>
       <p:pic>
         <p:nvPicPr>
           <p:cNvPr id="190468" name="Picture 4"/>
@@ -7527,7 +7263,7 @@
 </p:sld>
 </file>
 
-<file path=ppt/slides/slide37.xml><?xml version="1.0" encoding="utf-8"?>
+<file path=ppt/slides/slide36.xml><?xml version="1.0" encoding="utf-8"?>
 <p:sld xmlns:a="http://schemas.openxmlformats.org/drawingml/2006/main" xmlns:r="http://schemas.openxmlformats.org/officeDocument/2006/relationships" xmlns:p="http://schemas.openxmlformats.org/presentationml/2006/main">
   <p:cSld>
     <p:spTree>
@@ -7544,45 +7280,6 @@
           <a:chExt cx="0" cy="0"/>
         </a:xfrm>
       </p:grpSpPr>
-      <p:sp>
-        <p:nvSpPr>
-          <p:cNvPr id="191490" name="Rectangle 2"/>
-          <p:cNvSpPr>
-            <a:spLocks noGrp="1" noChangeArrowheads="1"/>
-          </p:cNvSpPr>
-          <p:nvPr>
-            <p:ph type="title"/>
-          </p:nvPr>
-        </p:nvSpPr>
-        <p:spPr/>
-        <p:txBody>
-          <a:bodyPr/>
-          <a:lstStyle/>
-          <a:p>
-            <a:pPr rtl="0"/>
-            <a:endParaRPr lang="en-US"/>
-          </a:p>
-        </p:txBody>
-      </p:sp>
-      <p:sp>
-        <p:nvSpPr>
-          <p:cNvPr id="191491" name="Rectangle 3"/>
-          <p:cNvSpPr>
-            <a:spLocks noGrp="1" noChangeArrowheads="1"/>
-          </p:cNvSpPr>
-          <p:nvPr>
-            <p:ph type="body" idx="1"/>
-          </p:nvPr>
-        </p:nvSpPr>
-        <p:spPr/>
-        <p:txBody>
-          <a:bodyPr/>
-          <a:lstStyle/>
-          <a:p>
-            <a:endParaRPr lang="en-US"/>
-          </a:p>
-        </p:txBody>
-      </p:sp>
       <p:pic>
         <p:nvPicPr>
           <p:cNvPr id="191492" name="Picture 4"/>
@@ -7630,7 +7327,7 @@
 </p:sld>
 </file>
 
-<file path=ppt/slides/slide38.xml><?xml version="1.0" encoding="utf-8"?>
+<file path=ppt/slides/slide37.xml><?xml version="1.0" encoding="utf-8"?>
 <p:sld xmlns:a="http://schemas.openxmlformats.org/drawingml/2006/main" xmlns:r="http://schemas.openxmlformats.org/officeDocument/2006/relationships" xmlns:p="http://schemas.openxmlformats.org/presentationml/2006/main">
   <p:cSld>
     <p:spTree>
@@ -7647,45 +7344,6 @@
           <a:chExt cx="0" cy="0"/>
         </a:xfrm>
       </p:grpSpPr>
-      <p:sp>
-        <p:nvSpPr>
-          <p:cNvPr id="192514" name="Rectangle 2"/>
-          <p:cNvSpPr>
-            <a:spLocks noGrp="1" noChangeArrowheads="1"/>
-          </p:cNvSpPr>
-          <p:nvPr>
-            <p:ph type="title"/>
-          </p:nvPr>
-        </p:nvSpPr>
-        <p:spPr/>
-        <p:txBody>
-          <a:bodyPr/>
-          <a:lstStyle/>
-          <a:p>
-            <a:pPr rtl="0"/>
-            <a:endParaRPr lang="en-US"/>
-          </a:p>
-        </p:txBody>
-      </p:sp>
-      <p:sp>
-        <p:nvSpPr>
-          <p:cNvPr id="192515" name="Rectangle 3"/>
-          <p:cNvSpPr>
-            <a:spLocks noGrp="1" noChangeArrowheads="1"/>
-          </p:cNvSpPr>
-          <p:nvPr>
-            <p:ph type="body" idx="1"/>
-          </p:nvPr>
-        </p:nvSpPr>
-        <p:spPr/>
-        <p:txBody>
-          <a:bodyPr/>
-          <a:lstStyle/>
-          <a:p>
-            <a:endParaRPr lang="en-US"/>
-          </a:p>
-        </p:txBody>
-      </p:sp>
       <p:pic>
         <p:nvPicPr>
           <p:cNvPr id="192516" name="Picture 4"/>
@@ -7733,7 +7391,7 @@
 </p:sld>
 </file>
 
-<file path=ppt/slides/slide39.xml><?xml version="1.0" encoding="utf-8"?>
+<file path=ppt/slides/slide38.xml><?xml version="1.0" encoding="utf-8"?>
 <p:sld xmlns:a="http://schemas.openxmlformats.org/drawingml/2006/main" xmlns:r="http://schemas.openxmlformats.org/officeDocument/2006/relationships" xmlns:p="http://schemas.openxmlformats.org/presentationml/2006/main">
   <p:cSld>
     <p:spTree>
@@ -7750,45 +7408,6 @@
           <a:chExt cx="0" cy="0"/>
         </a:xfrm>
       </p:grpSpPr>
-      <p:sp>
-        <p:nvSpPr>
-          <p:cNvPr id="193538" name="Rectangle 2"/>
-          <p:cNvSpPr>
-            <a:spLocks noGrp="1" noChangeArrowheads="1"/>
-          </p:cNvSpPr>
-          <p:nvPr>
-            <p:ph type="title"/>
-          </p:nvPr>
-        </p:nvSpPr>
-        <p:spPr/>
-        <p:txBody>
-          <a:bodyPr/>
-          <a:lstStyle/>
-          <a:p>
-            <a:pPr rtl="0"/>
-            <a:endParaRPr lang="en-US"/>
-          </a:p>
-        </p:txBody>
-      </p:sp>
-      <p:sp>
-        <p:nvSpPr>
-          <p:cNvPr id="193539" name="Rectangle 3"/>
-          <p:cNvSpPr>
-            <a:spLocks noGrp="1" noChangeArrowheads="1"/>
-          </p:cNvSpPr>
-          <p:nvPr>
-            <p:ph type="body" idx="1"/>
-          </p:nvPr>
-        </p:nvSpPr>
-        <p:spPr/>
-        <p:txBody>
-          <a:bodyPr/>
-          <a:lstStyle/>
-          <a:p>
-            <a:endParaRPr lang="en-US"/>
-          </a:p>
-        </p:txBody>
-      </p:sp>
       <p:pic>
         <p:nvPicPr>
           <p:cNvPr id="193540" name="Picture 4"/>
@@ -7819,6 +7438,64 @@
             <a:headEnd/>
             <a:tailEnd/>
           </a:ln>
+        </p:spPr>
+      </p:pic>
+    </p:spTree>
+  </p:cSld>
+  <p:clrMapOvr>
+    <a:masterClrMapping/>
+  </p:clrMapOvr>
+  <p:timing>
+    <p:tnLst>
+      <p:par>
+        <p:cTn id="1" dur="indefinite" restart="never" nodeType="tmRoot"/>
+      </p:par>
+    </p:tnLst>
+  </p:timing>
+</p:sld>
+</file>
+
+<file path=ppt/slides/slide39.xml><?xml version="1.0" encoding="utf-8"?>
+<p:sld xmlns:a="http://schemas.openxmlformats.org/drawingml/2006/main" xmlns:r="http://schemas.openxmlformats.org/officeDocument/2006/relationships" xmlns:p="http://schemas.openxmlformats.org/presentationml/2006/main">
+  <p:cSld>
+    <p:spTree>
+      <p:nvGrpSpPr>
+        <p:cNvPr id="1" name=""/>
+        <p:cNvGrpSpPr/>
+        <p:nvPr/>
+      </p:nvGrpSpPr>
+      <p:grpSpPr>
+        <a:xfrm>
+          <a:off x="0" y="0"/>
+          <a:ext cx="0" cy="0"/>
+          <a:chOff x="0" y="0"/>
+          <a:chExt cx="0" cy="0"/>
+        </a:xfrm>
+      </p:grpSpPr>
+      <p:pic>
+        <p:nvPicPr>
+          <p:cNvPr id="194564" name="Picture 4"/>
+          <p:cNvPicPr>
+            <a:picLocks noGrp="1" noChangeAspect="1" noChangeArrowheads="1"/>
+          </p:cNvPicPr>
+          <p:nvPr>
+            <p:ph type="body" idx="1"/>
+          </p:nvPr>
+        </p:nvPicPr>
+        <p:blipFill>
+          <a:blip r:embed="rId2" cstate="print"/>
+          <a:srcRect/>
+          <a:stretch>
+            <a:fillRect/>
+          </a:stretch>
+        </p:blipFill>
+        <p:spPr>
+          <a:xfrm>
+            <a:off x="684213" y="2205038"/>
+            <a:ext cx="7848600" cy="3192462"/>
+          </a:xfrm>
+          <a:noFill/>
+          <a:ln/>
         </p:spPr>
       </p:pic>
     </p:spTree>
@@ -7966,32 +7643,33 @@
           <a:chExt cx="0" cy="0"/>
         </a:xfrm>
       </p:grpSpPr>
-      <p:pic>
-        <p:nvPicPr>
-          <p:cNvPr id="194564" name="Picture 4"/>
-          <p:cNvPicPr>
-            <a:picLocks noChangeAspect="1" noChangeArrowheads="1"/>
-          </p:cNvPicPr>
-          <p:nvPr>
-            <p:ph type="body" idx="1"/>
-          </p:nvPr>
-        </p:nvPicPr>
-        <p:blipFill>
-          <a:blip r:embed="rId2" cstate="print"/>
-          <a:srcRect/>
-          <a:stretch>
-            <a:fillRect/>
-          </a:stretch>
-        </p:blipFill>
+      <p:sp>
+        <p:nvSpPr>
+          <p:cNvPr id="151554" name="Rectangle 2"/>
+          <p:cNvSpPr>
+            <a:spLocks noGrp="1" noChangeArrowheads="1"/>
+          </p:cNvSpPr>
+          <p:nvPr>
+            <p:ph type="title"/>
+          </p:nvPr>
+        </p:nvSpPr>
         <p:spPr>
           <a:xfrm>
-            <a:off x="684213" y="2205038"/>
-            <a:ext cx="7848600" cy="3192462"/>
+            <a:off x="2843213" y="2852738"/>
+            <a:ext cx="8229600" cy="1371600"/>
           </a:xfrm>
-          <a:noFill/>
-          <a:ln/>
         </p:spPr>
-      </p:pic>
+        <p:txBody>
+          <a:bodyPr/>
+          <a:lstStyle/>
+          <a:p>
+            <a:r>
+              <a:rPr lang="en-US"/>
+              <a:t>Analysis</a:t>
+            </a:r>
+          </a:p>
+        </p:txBody>
+      </p:sp>
     </p:spTree>
   </p:cSld>
   <p:clrMapOvr>
@@ -8026,7 +7704,7 @@
       </p:grpSpPr>
       <p:sp>
         <p:nvSpPr>
-          <p:cNvPr id="151554" name="Rectangle 2"/>
+          <p:cNvPr id="195586" name="Rectangle 2"/>
           <p:cNvSpPr>
             <a:spLocks noGrp="1" noChangeArrowheads="1"/>
           </p:cNvSpPr>
@@ -8034,19 +7712,106 @@
             <p:ph type="title"/>
           </p:nvPr>
         </p:nvSpPr>
-        <p:spPr>
-          <a:xfrm>
-            <a:off x="2843213" y="2852738"/>
-            <a:ext cx="8229600" cy="1371600"/>
-          </a:xfrm>
-        </p:spPr>
+        <p:spPr/>
         <p:txBody>
           <a:bodyPr/>
           <a:lstStyle/>
           <a:p>
             <a:r>
-              <a:rPr lang="en-US"/>
-              <a:t>Analysis</a:t>
+              <a:rPr lang="en-US" sz="4000" b="1" i="1"/>
+              <a:t>Unnecessary recalculation (which we discarded)</a:t>
+            </a:r>
+          </a:p>
+        </p:txBody>
+      </p:sp>
+      <p:sp>
+        <p:nvSpPr>
+          <p:cNvPr id="195587" name="Rectangle 3"/>
+          <p:cNvSpPr>
+            <a:spLocks noGrp="1" noChangeArrowheads="1"/>
+          </p:cNvSpPr>
+          <p:nvPr>
+            <p:ph type="body" idx="1"/>
+          </p:nvPr>
+        </p:nvSpPr>
+        <p:spPr/>
+        <p:txBody>
+          <a:bodyPr/>
+          <a:lstStyle/>
+          <a:p>
+            <a:pPr algn="l" rtl="0">
+              <a:lnSpc>
+                <a:spcPct val="80000"/>
+              </a:lnSpc>
+            </a:pPr>
+            <a:r>
+              <a:rPr lang="en-US" sz="2000"/>
+              <a:t>After analyzing initial training results we’ve noticed superfluous recalculation of features in Adaboost.</a:t>
+            </a:r>
+          </a:p>
+          <a:p>
+            <a:pPr algn="l" rtl="0">
+              <a:lnSpc>
+                <a:spcPct val="80000"/>
+              </a:lnSpc>
+            </a:pPr>
+            <a:r>
+              <a:rPr lang="en-US" sz="2000"/>
+              <a:t>Cascade calls Adaboost iteratively with the </a:t>
+            </a:r>
+            <a:r>
+              <a:rPr lang="en-US" sz="2000" i="1"/>
+              <a:t>numOfFeatures</a:t>
+            </a:r>
+            <a:r>
+              <a:rPr lang="en-US" sz="2000"/>
+              <a:t> argument increasing incrementally in order to achieve a lower false alarm rate.</a:t>
+            </a:r>
+          </a:p>
+          <a:p>
+            <a:pPr algn="l" rtl="0">
+              <a:lnSpc>
+                <a:spcPct val="80000"/>
+              </a:lnSpc>
+            </a:pPr>
+            <a:r>
+              <a:rPr lang="en-US" sz="2000"/>
+              <a:t>In our original implementation, in every call to Adaboost, the process found the best features in the amount of </a:t>
+            </a:r>
+            <a:r>
+              <a:rPr lang="en-US" sz="2000" i="1"/>
+              <a:t>numOfFeatures</a:t>
+            </a:r>
+            <a:r>
+              <a:rPr lang="en-US" sz="2000"/>
+              <a:t> all over again, even though it calculated (</a:t>
+            </a:r>
+            <a:r>
+              <a:rPr lang="en-US" sz="2000" i="1"/>
+              <a:t>numOfFeatures – 1) </a:t>
+            </a:r>
+            <a:r>
+              <a:rPr lang="en-US" sz="2000"/>
+              <a:t>in the previous time it was called by cascade.</a:t>
+            </a:r>
+          </a:p>
+          <a:p>
+            <a:pPr algn="l" rtl="0">
+              <a:lnSpc>
+                <a:spcPct val="80000"/>
+              </a:lnSpc>
+            </a:pPr>
+            <a:r>
+              <a:rPr lang="en-US" sz="2000"/>
+              <a:t>The reason for this inefficiency was our original </a:t>
+            </a:r>
+            <a:r>
+              <a:rPr lang="en-US" sz="2000" u="sng"/>
+              <a:t>bottom up approach</a:t>
+            </a:r>
+            <a:r>
+              <a:rPr lang="en-US" sz="2000"/>
+              <a:t> (see “Order of Implementation”) which focused on Adaboost only, not realizing the strong coupling with cascade.</a:t>
             </a:r>
           </a:p>
         </p:txBody>
@@ -8085,7 +7850,7 @@
       </p:grpSpPr>
       <p:sp>
         <p:nvSpPr>
-          <p:cNvPr id="195586" name="Rectangle 2"/>
+          <p:cNvPr id="196610" name="Rectangle 2"/>
           <p:cNvSpPr>
             <a:spLocks noGrp="1" noChangeArrowheads="1"/>
           </p:cNvSpPr>
@@ -8100,14 +7865,18 @@
           <a:p>
             <a:r>
               <a:rPr lang="en-US" sz="4000" b="1" i="1"/>
-              <a:t>Unnecessary recalculation (which we discarded)</a:t>
-            </a:r>
-          </a:p>
-        </p:txBody>
-      </p:sp>
-      <p:sp>
-        <p:nvSpPr>
-          <p:cNvPr id="195587" name="Rectangle 3"/>
+              <a:t>Overfitting</a:t>
+            </a:r>
+            <a:br>
+              <a:rPr lang="en-US" sz="4000" b="1" i="1"/>
+            </a:br>
+            <a:endParaRPr lang="en-US" sz="4000" b="1" i="1"/>
+          </a:p>
+        </p:txBody>
+      </p:sp>
+      <p:sp>
+        <p:nvSpPr>
+          <p:cNvPr id="196611" name="Rectangle 3"/>
           <p:cNvSpPr>
             <a:spLocks noGrp="1" noChangeArrowheads="1"/>
           </p:cNvSpPr>
@@ -8120,79 +7889,17 @@
           <a:bodyPr/>
           <a:lstStyle/>
           <a:p>
-            <a:pPr algn="l" rtl="0">
-              <a:lnSpc>
-                <a:spcPct val="80000"/>
-              </a:lnSpc>
-            </a:pPr>
-            <a:r>
-              <a:rPr lang="en-US" sz="2000"/>
-              <a:t>After analyzing initial training results we’ve noticed superfluous recalculation of features in Adaboost.</a:t>
-            </a:r>
-          </a:p>
-          <a:p>
-            <a:pPr algn="l" rtl="0">
-              <a:lnSpc>
-                <a:spcPct val="80000"/>
-              </a:lnSpc>
-            </a:pPr>
-            <a:r>
-              <a:rPr lang="en-US" sz="2000"/>
-              <a:t>Cascade calls Adaboost iteratively with the </a:t>
-            </a:r>
-            <a:r>
-              <a:rPr lang="en-US" sz="2000" i="1"/>
-              <a:t>numOfFeatures</a:t>
-            </a:r>
-            <a:r>
-              <a:rPr lang="en-US" sz="2000"/>
-              <a:t> argument increasing incrementally in order to achieve a lower false alarm rate.</a:t>
-            </a:r>
-          </a:p>
-          <a:p>
-            <a:pPr algn="l" rtl="0">
-              <a:lnSpc>
-                <a:spcPct val="80000"/>
-              </a:lnSpc>
-            </a:pPr>
-            <a:r>
-              <a:rPr lang="en-US" sz="2000"/>
-              <a:t>In our original implementation, in every call to Adaboost, the process found the best features in the amount of </a:t>
-            </a:r>
-            <a:r>
-              <a:rPr lang="en-US" sz="2000" i="1"/>
-              <a:t>numOfFeatures</a:t>
-            </a:r>
-            <a:r>
-              <a:rPr lang="en-US" sz="2000"/>
-              <a:t> all over again, even though it calculated (</a:t>
-            </a:r>
-            <a:r>
-              <a:rPr lang="en-US" sz="2000" i="1"/>
-              <a:t>numOfFeatures – 1) </a:t>
-            </a:r>
-            <a:r>
-              <a:rPr lang="en-US" sz="2000"/>
-              <a:t>in the previous time it was called by cascade.</a:t>
-            </a:r>
-          </a:p>
-          <a:p>
-            <a:pPr algn="l" rtl="0">
-              <a:lnSpc>
-                <a:spcPct val="80000"/>
-              </a:lnSpc>
-            </a:pPr>
-            <a:r>
-              <a:rPr lang="en-US" sz="2000"/>
-              <a:t>The reason for this inefficiency was our original </a:t>
-            </a:r>
-            <a:r>
-              <a:rPr lang="en-US" sz="2000" u="sng"/>
-              <a:t>bottom up approach</a:t>
-            </a:r>
-            <a:r>
-              <a:rPr lang="en-US" sz="2000"/>
-              <a:t> (see “Order of Implementation”) which focused on Adaboost only, not realizing the strong coupling with cascade.</a:t>
+            <a:pPr algn="l" rtl="0"/>
+            <a:r>
+              <a:rPr lang="en-US"/>
+              <a:t>While experimenting with training parameters, we slowly raised detection rate and lowered false positive rate. </a:t>
+            </a:r>
+          </a:p>
+          <a:p>
+            <a:pPr algn="l" rtl="0"/>
+            <a:r>
+              <a:rPr lang="en-US"/>
+              <a:t>After some point (99.9% detection rate &amp; 0.01% false positive rate) less faces from the CMU dataset were detected, while not improving false alarm rate.</a:t>
             </a:r>
           </a:p>
         </p:txBody>
@@ -8231,7 +7938,7 @@
       </p:grpSpPr>
       <p:sp>
         <p:nvSpPr>
-          <p:cNvPr id="196610" name="Rectangle 2"/>
+          <p:cNvPr id="197634" name="Rectangle 2"/>
           <p:cNvSpPr>
             <a:spLocks noGrp="1" noChangeArrowheads="1"/>
           </p:cNvSpPr>
@@ -8246,18 +7953,14 @@
           <a:p>
             <a:r>
               <a:rPr lang="en-US" sz="4000" b="1" i="1"/>
-              <a:t>Overfitting</a:t>
-            </a:r>
-            <a:br>
-              <a:rPr lang="en-US" sz="4000" b="1" i="1"/>
-            </a:br>
-            <a:endParaRPr lang="en-US" sz="4000" b="1" i="1"/>
-          </a:p>
-        </p:txBody>
-      </p:sp>
-      <p:sp>
-        <p:nvSpPr>
-          <p:cNvPr id="196611" name="Rectangle 3"/>
+              <a:t>Using partial cascade to find false alarm examples </a:t>
+            </a:r>
+          </a:p>
+        </p:txBody>
+      </p:sp>
+      <p:sp>
+        <p:nvSpPr>
+          <p:cNvPr id="197635" name="Rectangle 3"/>
           <p:cNvSpPr>
             <a:spLocks noGrp="1" noChangeArrowheads="1"/>
           </p:cNvSpPr>
@@ -8273,14 +7976,14 @@
             <a:pPr algn="l" rtl="0"/>
             <a:r>
               <a:rPr lang="en-US"/>
-              <a:t>While experimenting with training parameters, we slowly raised detection rate and lowered false positive rate. </a:t>
+              <a:t>We settled on 99% detection rate and 0.25% false positive rate. </a:t>
             </a:r>
           </a:p>
           <a:p>
             <a:pPr algn="l" rtl="0"/>
             <a:r>
               <a:rPr lang="en-US"/>
-              <a:t>After some point (99.9% detection rate &amp; 0.01% false positive rate) less faces from the CMU dataset were detected, while not improving false alarm rate.</a:t>
+              <a:t>After further examination of the paper we decided to stop the current cascade and start new ones which use false alarms from the old ones. False alarm rate improved significantly</a:t>
             </a:r>
           </a:p>
         </p:txBody>
@@ -8319,7 +8022,7 @@
       </p:grpSpPr>
       <p:sp>
         <p:nvSpPr>
-          <p:cNvPr id="197634" name="Rectangle 2"/>
+          <p:cNvPr id="198658" name="Rectangle 2"/>
           <p:cNvSpPr>
             <a:spLocks noGrp="1" noChangeArrowheads="1"/>
           </p:cNvSpPr>
@@ -8332,16 +8035,21 @@
           <a:bodyPr/>
           <a:lstStyle/>
           <a:p>
+            <a:pPr rtl="0"/>
             <a:r>
               <a:rPr lang="en-US" sz="4000" b="1" i="1"/>
-              <a:t>Using partial cascade to find false alarm examples </a:t>
-            </a:r>
-          </a:p>
-        </p:txBody>
-      </p:sp>
-      <p:sp>
-        <p:nvSpPr>
-          <p:cNvPr id="197635" name="Rectangle 3"/>
+              <a:t>Rounding of Scaling Operation</a:t>
+            </a:r>
+            <a:br>
+              <a:rPr lang="en-US" sz="4000" b="1" i="1"/>
+            </a:br>
+            <a:endParaRPr lang="en-US" sz="4000" b="1" i="1"/>
+          </a:p>
+        </p:txBody>
+      </p:sp>
+      <p:sp>
+        <p:nvSpPr>
+          <p:cNvPr id="198659" name="Rectangle 3"/>
           <p:cNvSpPr>
             <a:spLocks noGrp="1" noChangeArrowheads="1"/>
           </p:cNvSpPr>
@@ -8354,17 +8062,58 @@
           <a:bodyPr/>
           <a:lstStyle/>
           <a:p>
-            <a:pPr algn="l" rtl="0"/>
-            <a:r>
-              <a:rPr lang="en-US"/>
-              <a:t>We settled on 99% detection rate and 0.25% false positive rate. </a:t>
-            </a:r>
-          </a:p>
-          <a:p>
-            <a:pPr algn="l" rtl="0"/>
-            <a:r>
-              <a:rPr lang="en-US"/>
-              <a:t>After further examination of the paper we decided to stop the current cascade and start new ones which use false alarms from the old ones. False alarm rate improved significantly</a:t>
+            <a:pPr algn="l" rtl="0">
+              <a:lnSpc>
+                <a:spcPct val="80000"/>
+              </a:lnSpc>
+            </a:pPr>
+            <a:r>
+              <a:rPr lang="en-US" sz="2000"/>
+              <a:t>After 3 rounds of cascade and another round of negative set collecting from false alarms,</a:t>
+            </a:r>
+          </a:p>
+          <a:p>
+            <a:pPr algn="l" rtl="0">
+              <a:lnSpc>
+                <a:spcPct val="80000"/>
+              </a:lnSpc>
+            </a:pPr>
+            <a:r>
+              <a:rPr lang="en-US" sz="2000"/>
+              <a:t>And another cascade the false alarm rate was sufficient for the base scale of our detector (19X19), but bad for higher scales.</a:t>
+            </a:r>
+          </a:p>
+          <a:p>
+            <a:pPr algn="l" rtl="0">
+              <a:lnSpc>
+                <a:spcPct val="80000"/>
+              </a:lnSpc>
+            </a:pPr>
+            <a:r>
+              <a:rPr lang="en-US" sz="2000"/>
+              <a:t>We came up with the idea the problem lies with the way we scale up the features, particularly with rounding of small rectangle features (rounding effects small number much more proportionally than for larger numbers). As a result rectangles were not congruent.</a:t>
+            </a:r>
+          </a:p>
+          <a:p>
+            <a:pPr algn="l" rtl="0">
+              <a:lnSpc>
+                <a:spcPct val="80000"/>
+              </a:lnSpc>
+            </a:pPr>
+            <a:r>
+              <a:rPr lang="en-US" sz="2000"/>
+              <a:t>We solved this problem by scaling up the size of rectangle sides instead of scaling up integral image indices.</a:t>
+            </a:r>
+          </a:p>
+          <a:p>
+            <a:pPr algn="l" rtl="0">
+              <a:lnSpc>
+                <a:spcPct val="80000"/>
+              </a:lnSpc>
+            </a:pPr>
+            <a:r>
+              <a:rPr lang="en-US" sz="2000"/>
+              <a:t>For example, the following feature’s rectangles will not be congruent after scaling up:</a:t>
             </a:r>
           </a:p>
         </p:txBody>
@@ -8401,141 +8150,11 @@
           <a:chExt cx="0" cy="0"/>
         </a:xfrm>
       </p:grpSpPr>
-      <p:sp>
-        <p:nvSpPr>
-          <p:cNvPr id="198658" name="Rectangle 2"/>
-          <p:cNvSpPr>
-            <a:spLocks noGrp="1" noChangeArrowheads="1"/>
-          </p:cNvSpPr>
-          <p:nvPr>
-            <p:ph type="title"/>
-          </p:nvPr>
-        </p:nvSpPr>
-        <p:spPr/>
-        <p:txBody>
-          <a:bodyPr/>
-          <a:lstStyle/>
-          <a:p>
-            <a:pPr rtl="0"/>
-            <a:r>
-              <a:rPr lang="en-US" sz="4000" b="1" i="1"/>
-              <a:t>Rounding of Scaling Operation</a:t>
-            </a:r>
-            <a:br>
-              <a:rPr lang="en-US" sz="4000" b="1" i="1"/>
-            </a:br>
-            <a:endParaRPr lang="en-US" sz="4000" b="1" i="1"/>
-          </a:p>
-        </p:txBody>
-      </p:sp>
-      <p:sp>
-        <p:nvSpPr>
-          <p:cNvPr id="198659" name="Rectangle 3"/>
-          <p:cNvSpPr>
-            <a:spLocks noGrp="1" noChangeArrowheads="1"/>
-          </p:cNvSpPr>
-          <p:nvPr>
-            <p:ph type="body" idx="1"/>
-          </p:nvPr>
-        </p:nvSpPr>
-        <p:spPr/>
-        <p:txBody>
-          <a:bodyPr/>
-          <a:lstStyle/>
-          <a:p>
-            <a:pPr algn="l" rtl="0">
-              <a:lnSpc>
-                <a:spcPct val="80000"/>
-              </a:lnSpc>
-            </a:pPr>
-            <a:r>
-              <a:rPr lang="en-US" sz="2000"/>
-              <a:t>After 3 rounds of cascade and another round of negative set collecting from false alarms,</a:t>
-            </a:r>
-          </a:p>
-          <a:p>
-            <a:pPr algn="l" rtl="0">
-              <a:lnSpc>
-                <a:spcPct val="80000"/>
-              </a:lnSpc>
-            </a:pPr>
-            <a:r>
-              <a:rPr lang="en-US" sz="2000"/>
-              <a:t>And another cascade the false alarm rate was sufficient for the base scale of our detector (19X19), but bad for higher scales.</a:t>
-            </a:r>
-          </a:p>
-          <a:p>
-            <a:pPr algn="l" rtl="0">
-              <a:lnSpc>
-                <a:spcPct val="80000"/>
-              </a:lnSpc>
-            </a:pPr>
-            <a:r>
-              <a:rPr lang="en-US" sz="2000"/>
-              <a:t>We came up with the idea the problem lies with the way we scale up the features, particularly with rounding of small rectangle features (rounding effects small number much more proportionally than for larger numbers). As a result rectangles were not congruent.</a:t>
-            </a:r>
-          </a:p>
-          <a:p>
-            <a:pPr algn="l" rtl="0">
-              <a:lnSpc>
-                <a:spcPct val="80000"/>
-              </a:lnSpc>
-            </a:pPr>
-            <a:r>
-              <a:rPr lang="en-US" sz="2000"/>
-              <a:t>We solved this problem by scaling up the size of rectangle sides instead of scaling up integral image indices.</a:t>
-            </a:r>
-          </a:p>
-          <a:p>
-            <a:pPr algn="l" rtl="0">
-              <a:lnSpc>
-                <a:spcPct val="80000"/>
-              </a:lnSpc>
-            </a:pPr>
-            <a:r>
-              <a:rPr lang="en-US" sz="2000"/>
-              <a:t>For example, the following feature’s rectangles will not be congruent after scaling up:</a:t>
-            </a:r>
-          </a:p>
-        </p:txBody>
-      </p:sp>
-    </p:spTree>
-  </p:cSld>
-  <p:clrMapOvr>
-    <a:masterClrMapping/>
-  </p:clrMapOvr>
-  <p:timing>
-    <p:tnLst>
-      <p:par>
-        <p:cTn id="1" dur="indefinite" restart="never" nodeType="tmRoot"/>
-      </p:par>
-    </p:tnLst>
-  </p:timing>
-</p:sld>
-</file>
-
-<file path=ppt/slides/slide46.xml><?xml version="1.0" encoding="utf-8"?>
-<p:sld xmlns:a="http://schemas.openxmlformats.org/drawingml/2006/main" xmlns:r="http://schemas.openxmlformats.org/officeDocument/2006/relationships" xmlns:p="http://schemas.openxmlformats.org/presentationml/2006/main">
-  <p:cSld>
-    <p:spTree>
-      <p:nvGrpSpPr>
-        <p:cNvPr id="1" name=""/>
-        <p:cNvGrpSpPr/>
-        <p:nvPr/>
-      </p:nvGrpSpPr>
-      <p:grpSpPr>
-        <a:xfrm>
-          <a:off x="0" y="0"/>
-          <a:ext cx="0" cy="0"/>
-          <a:chOff x="0" y="0"/>
-          <a:chExt cx="0" cy="0"/>
-        </a:xfrm>
-      </p:grpSpPr>
       <p:pic>
         <p:nvPicPr>
           <p:cNvPr id="199684" name="Picture 4"/>
           <p:cNvPicPr>
-            <a:picLocks noChangeAspect="1" noChangeArrowheads="1"/>
+            <a:picLocks noGrp="1" noChangeAspect="1" noChangeArrowheads="1"/>
           </p:cNvPicPr>
           <p:nvPr>
             <p:ph type="body" idx="1"/>
@@ -8598,6 +8217,168 @@
 </p:sld>
 </file>
 
+<file path=ppt/slides/slide46.xml><?xml version="1.0" encoding="utf-8"?>
+<p:sld xmlns:a="http://schemas.openxmlformats.org/drawingml/2006/main" xmlns:r="http://schemas.openxmlformats.org/officeDocument/2006/relationships" xmlns:p="http://schemas.openxmlformats.org/presentationml/2006/main">
+  <p:cSld>
+    <p:spTree>
+      <p:nvGrpSpPr>
+        <p:cNvPr id="1" name=""/>
+        <p:cNvGrpSpPr/>
+        <p:nvPr/>
+      </p:nvGrpSpPr>
+      <p:grpSpPr>
+        <a:xfrm>
+          <a:off x="0" y="0"/>
+          <a:ext cx="0" cy="0"/>
+          <a:chOff x="0" y="0"/>
+          <a:chExt cx="0" cy="0"/>
+        </a:xfrm>
+      </p:grpSpPr>
+      <p:sp>
+        <p:nvSpPr>
+          <p:cNvPr id="200706" name="Rectangle 2"/>
+          <p:cNvSpPr>
+            <a:spLocks noGrp="1" noChangeArrowheads="1"/>
+          </p:cNvSpPr>
+          <p:nvPr>
+            <p:ph type="title"/>
+          </p:nvPr>
+        </p:nvSpPr>
+        <p:spPr/>
+        <p:txBody>
+          <a:bodyPr/>
+          <a:lstStyle/>
+          <a:p>
+            <a:r>
+              <a:rPr lang="en-US" sz="4000" b="1" i="1"/>
+              <a:t>Memory limitations</a:t>
+            </a:r>
+            <a:br>
+              <a:rPr lang="en-US" sz="4000" b="1" i="1"/>
+            </a:br>
+            <a:endParaRPr lang="en-US" sz="4000" b="1" i="1"/>
+          </a:p>
+        </p:txBody>
+      </p:sp>
+      <p:sp>
+        <p:nvSpPr>
+          <p:cNvPr id="200707" name="Rectangle 3"/>
+          <p:cNvSpPr>
+            <a:spLocks noGrp="1" noChangeArrowheads="1"/>
+          </p:cNvSpPr>
+          <p:nvPr>
+            <p:ph type="body" idx="1"/>
+          </p:nvPr>
+        </p:nvSpPr>
+        <p:spPr/>
+        <p:txBody>
+          <a:bodyPr/>
+          <a:lstStyle/>
+          <a:p>
+            <a:pPr algn="l" rtl="0">
+              <a:lnSpc>
+                <a:spcPct val="80000"/>
+              </a:lnSpc>
+            </a:pPr>
+            <a:r>
+              <a:rPr lang="en-US" sz="1800"/>
+              <a:t>Using a 32-bit machine (and Matlab), We faced serious memory limitation for vector operations on large arrays. In Order to avoid Matlab Memory limitations and still maintain vectorized implementation, we created Chunks of the set of Feature Values of all Available Data</a:t>
+            </a:r>
+          </a:p>
+          <a:p>
+            <a:pPr algn="l" rtl="0">
+              <a:lnSpc>
+                <a:spcPct val="80000"/>
+              </a:lnSpc>
+            </a:pPr>
+            <a:r>
+              <a:rPr lang="en-US" sz="1800"/>
+              <a:t>In Training, FeatureValues  data (All possible Feature and their Values for all Training Samples). was stored in chunks files.</a:t>
+            </a:r>
+          </a:p>
+          <a:p>
+            <a:pPr algn="l" rtl="0">
+              <a:lnSpc>
+                <a:spcPct val="80000"/>
+              </a:lnSpc>
+            </a:pPr>
+            <a:r>
+              <a:rPr lang="en-US" sz="1800"/>
+              <a:t>~3000 faces </a:t>
+            </a:r>
+          </a:p>
+          <a:p>
+            <a:pPr algn="l" rtl="0">
+              <a:lnSpc>
+                <a:spcPct val="80000"/>
+              </a:lnSpc>
+            </a:pPr>
+            <a:r>
+              <a:rPr lang="en-US" sz="1800"/>
+              <a:t>~10000-15000 Non Faces in each training phase</a:t>
+            </a:r>
+          </a:p>
+          <a:p>
+            <a:pPr algn="l" rtl="0">
+              <a:lnSpc>
+                <a:spcPct val="80000"/>
+              </a:lnSpc>
+            </a:pPr>
+            <a:r>
+              <a:rPr lang="en-US" sz="1800"/>
+              <a:t>53130 features (all possible..)</a:t>
+            </a:r>
+          </a:p>
+          <a:p>
+            <a:pPr algn="l" rtl="0">
+              <a:lnSpc>
+                <a:spcPct val="80000"/>
+              </a:lnSpc>
+            </a:pPr>
+            <a:r>
+              <a:rPr lang="en-US" sz="1800"/>
+              <a:t>A 64bit Matlab version of + 10 GB of memory, could make “chunking” unnecessary.</a:t>
+            </a:r>
+          </a:p>
+          <a:p>
+            <a:pPr algn="l" rtl="0">
+              <a:lnSpc>
+                <a:spcPct val="80000"/>
+              </a:lnSpc>
+            </a:pPr>
+            <a:r>
+              <a:rPr lang="en-US" sz="1800"/>
+              <a:t>In Testing, we did not store the chunks in files, but processed each featureValuesXSubWin chunk, on at a time (about 200-500 MB per chunk), as we try the cascade fully on each SubWin.</a:t>
+            </a:r>
+          </a:p>
+          <a:p>
+            <a:pPr algn="l" rtl="0">
+              <a:lnSpc>
+                <a:spcPct val="80000"/>
+              </a:lnSpc>
+            </a:pPr>
+            <a:r>
+              <a:rPr lang="en-US" sz="1800"/>
+              <a:t>Testing performance remained good as before.</a:t>
+            </a:r>
+          </a:p>
+        </p:txBody>
+      </p:sp>
+    </p:spTree>
+  </p:cSld>
+  <p:clrMapOvr>
+    <a:masterClrMapping/>
+  </p:clrMapOvr>
+  <p:timing>
+    <p:tnLst>
+      <p:par>
+        <p:cTn id="1" dur="indefinite" restart="never" nodeType="tmRoot"/>
+      </p:par>
+    </p:tnLst>
+  </p:timing>
+</p:sld>
+</file>
+
 <file path=ppt/slides/slide47.xml><?xml version="1.0" encoding="utf-8"?>
 <p:sld xmlns:a="http://schemas.openxmlformats.org/drawingml/2006/main" xmlns:r="http://schemas.openxmlformats.org/officeDocument/2006/relationships" xmlns:p="http://schemas.openxmlformats.org/presentationml/2006/main">
   <p:cSld>
@@ -8617,7 +8398,7 @@
       </p:grpSpPr>
       <p:sp>
         <p:nvSpPr>
-          <p:cNvPr id="200706" name="Rectangle 2"/>
+          <p:cNvPr id="201730" name="Rectangle 2"/>
           <p:cNvSpPr>
             <a:spLocks noGrp="1" noChangeArrowheads="1"/>
           </p:cNvSpPr>
@@ -8632,7 +8413,7 @@
           <a:p>
             <a:r>
               <a:rPr lang="en-US" sz="4000" b="1" i="1"/>
-              <a:t>Memory limitations</a:t>
+              <a:t>Downsizing</a:t>
             </a:r>
             <a:br>
               <a:rPr lang="en-US" sz="4000" b="1" i="1"/>
@@ -8643,7 +8424,7 @@
       </p:sp>
       <p:sp>
         <p:nvSpPr>
-          <p:cNvPr id="200707" name="Rectangle 3"/>
+          <p:cNvPr id="201731" name="Rectangle 3"/>
           <p:cNvSpPr>
             <a:spLocks noGrp="1" noChangeArrowheads="1"/>
           </p:cNvSpPr>
@@ -8656,91 +8437,10 @@
           <a:bodyPr/>
           <a:lstStyle/>
           <a:p>
-            <a:pPr algn="l" rtl="0">
-              <a:lnSpc>
-                <a:spcPct val="80000"/>
-              </a:lnSpc>
-            </a:pPr>
-            <a:r>
-              <a:rPr lang="en-US" sz="1800"/>
-              <a:t>Using a 32-bit machine (and Matlab), We faced serious memory limitation for vector operations on large arrays. In Order to avoid Matlab Memory limitations and still maintain vectorized implementation, we created Chunks of the set of Feature Values of all Available Data</a:t>
-            </a:r>
-          </a:p>
-          <a:p>
-            <a:pPr algn="l" rtl="0">
-              <a:lnSpc>
-                <a:spcPct val="80000"/>
-              </a:lnSpc>
-            </a:pPr>
-            <a:r>
-              <a:rPr lang="en-US" sz="1800"/>
-              <a:t>In Training, FeatureValues  data (All possible Feature and their Values for all Training Samples). was stored in chunks files.</a:t>
-            </a:r>
-          </a:p>
-          <a:p>
-            <a:pPr algn="l" rtl="0">
-              <a:lnSpc>
-                <a:spcPct val="80000"/>
-              </a:lnSpc>
-            </a:pPr>
-            <a:r>
-              <a:rPr lang="en-US" sz="1800"/>
-              <a:t>~3000 faces </a:t>
-            </a:r>
-          </a:p>
-          <a:p>
-            <a:pPr algn="l" rtl="0">
-              <a:lnSpc>
-                <a:spcPct val="80000"/>
-              </a:lnSpc>
-            </a:pPr>
-            <a:r>
-              <a:rPr lang="en-US" sz="1800"/>
-              <a:t>~10000-15000 Non Faces in each training phase</a:t>
-            </a:r>
-          </a:p>
-          <a:p>
-            <a:pPr algn="l" rtl="0">
-              <a:lnSpc>
-                <a:spcPct val="80000"/>
-              </a:lnSpc>
-            </a:pPr>
-            <a:r>
-              <a:rPr lang="en-US" sz="1800"/>
-              <a:t>53130 features (all possible..)</a:t>
-            </a:r>
-          </a:p>
-          <a:p>
-            <a:pPr algn="l" rtl="0">
-              <a:lnSpc>
-                <a:spcPct val="80000"/>
-              </a:lnSpc>
-            </a:pPr>
-            <a:r>
-              <a:rPr lang="en-US" sz="1800"/>
-              <a:t>A 64bit Matlab version of + 10 GB of memory, could make “chunking” unnecessary.</a:t>
-            </a:r>
-          </a:p>
-          <a:p>
-            <a:pPr algn="l" rtl="0">
-              <a:lnSpc>
-                <a:spcPct val="80000"/>
-              </a:lnSpc>
-            </a:pPr>
-            <a:r>
-              <a:rPr lang="en-US" sz="1800"/>
-              <a:t>In Testing, we did not store the chunks in files, but processed each featureValuesXSubWin chunk, on at a time (about 200-500 MB per chunk), as we try the cascade fully on each SubWin.</a:t>
-            </a:r>
-          </a:p>
-          <a:p>
-            <a:pPr algn="l" rtl="0">
-              <a:lnSpc>
-                <a:spcPct val="80000"/>
-              </a:lnSpc>
-            </a:pPr>
-            <a:r>
-              <a:rPr lang="en-US" sz="1800"/>
-              <a:t>Testing performance remained good as before.</a:t>
+            <a:pPr algn="l" rtl="0"/>
+            <a:r>
+              <a:rPr lang="en-US"/>
+              <a:t>Downsizing option is enabled for enhanced performance, default for downsizing is  384X288.</a:t>
             </a:r>
           </a:p>
         </p:txBody>
@@ -8779,7 +8479,7 @@
       </p:grpSpPr>
       <p:sp>
         <p:nvSpPr>
-          <p:cNvPr id="201730" name="Rectangle 2"/>
+          <p:cNvPr id="209922" name="Rectangle 2"/>
           <p:cNvSpPr>
             <a:spLocks noGrp="1" noChangeArrowheads="1"/>
           </p:cNvSpPr>
@@ -8793,19 +8493,15 @@
           <a:lstStyle/>
           <a:p>
             <a:r>
-              <a:rPr lang="en-US" sz="4000" b="1" i="1"/>
-              <a:t>Downsizing</a:t>
-            </a:r>
-            <a:br>
-              <a:rPr lang="en-US" sz="4000" b="1" i="1"/>
-            </a:br>
-            <a:endParaRPr lang="en-US" sz="4000" b="1" i="1"/>
-          </a:p>
-        </p:txBody>
-      </p:sp>
-      <p:sp>
-        <p:nvSpPr>
-          <p:cNvPr id="201731" name="Rectangle 3"/>
+              <a:rPr lang="en-US" b="1" i="1"/>
+              <a:t>Post Processing</a:t>
+            </a:r>
+          </a:p>
+        </p:txBody>
+      </p:sp>
+      <p:sp>
+        <p:nvSpPr>
+          <p:cNvPr id="209923" name="Rectangle 3"/>
           <p:cNvSpPr>
             <a:spLocks noGrp="1" noChangeArrowheads="1"/>
           </p:cNvSpPr>
@@ -8818,10 +8514,14 @@
           <a:bodyPr/>
           <a:lstStyle/>
           <a:p>
-            <a:pPr algn="l" rtl="0"/>
+            <a:pPr algn="l" rtl="0">
+              <a:lnSpc>
+                <a:spcPct val="90000"/>
+              </a:lnSpc>
+            </a:pPr>
             <a:r>
               <a:rPr lang="en-US"/>
-              <a:t>Downsizing option is enabled for enhanced performance, default for downsizing is  384X288.</a:t>
+              <a:t>We have implemented simple overlapping detection merging, of locating and eliminating isolated detections. Does good jobs on well detected images, but can delete true singular detection when the detection subwindows are singular, which can occur for noisy image, big StepSize(deltaX, deltaY),etc.. .</a:t>
             </a:r>
           </a:p>
         </p:txBody>
@@ -8831,13 +8531,6 @@
   <p:clrMapOvr>
     <a:masterClrMapping/>
   </p:clrMapOvr>
-  <p:timing>
-    <p:tnLst>
-      <p:par>
-        <p:cTn id="1" dur="indefinite" restart="never" nodeType="tmRoot"/>
-      </p:par>
-    </p:tnLst>
-  </p:timing>
 </p:sld>
 </file>
 
@@ -8860,7 +8553,7 @@
       </p:grpSpPr>
       <p:sp>
         <p:nvSpPr>
-          <p:cNvPr id="209922" name="Rectangle 2"/>
+          <p:cNvPr id="202754" name="Rectangle 2"/>
           <p:cNvSpPr>
             <a:spLocks noGrp="1" noChangeArrowheads="1"/>
           </p:cNvSpPr>
@@ -8868,41 +8561,19 @@
             <p:ph type="title"/>
           </p:nvPr>
         </p:nvSpPr>
-        <p:spPr/>
+        <p:spPr>
+          <a:xfrm>
+            <a:off x="2124075" y="2349500"/>
+            <a:ext cx="8229600" cy="1371600"/>
+          </a:xfrm>
+        </p:spPr>
         <p:txBody>
           <a:bodyPr/>
           <a:lstStyle/>
           <a:p>
             <a:r>
-              <a:rPr lang="en-US" b="1" i="1"/>
-              <a:t>Post Processing</a:t>
-            </a:r>
-          </a:p>
-        </p:txBody>
-      </p:sp>
-      <p:sp>
-        <p:nvSpPr>
-          <p:cNvPr id="209923" name="Rectangle 3"/>
-          <p:cNvSpPr>
-            <a:spLocks noGrp="1" noChangeArrowheads="1"/>
-          </p:cNvSpPr>
-          <p:nvPr>
-            <p:ph type="body" idx="1"/>
-          </p:nvPr>
-        </p:nvSpPr>
-        <p:spPr/>
-        <p:txBody>
-          <a:bodyPr/>
-          <a:lstStyle/>
-          <a:p>
-            <a:pPr algn="l" rtl="0">
-              <a:lnSpc>
-                <a:spcPct val="90000"/>
-              </a:lnSpc>
-            </a:pPr>
-            <a:r>
-              <a:rPr lang="en-US"/>
-              <a:t>We have implemented simple overlapping detection merging, of locating and eliminating isolated detections. Does good jobs on well detected images, but can delete true singular detection when the detection subwindows are singular, which can occur for noisy image, big StepSize(deltaX, deltaY),etc.. .</a:t>
+              <a:rPr lang="en-US" b="1"/>
+              <a:t>Further Work:</a:t>
             </a:r>
           </a:p>
         </p:txBody>
@@ -8912,6 +8583,13 @@
   <p:clrMapOvr>
     <a:masterClrMapping/>
   </p:clrMapOvr>
+  <p:timing>
+    <p:tnLst>
+      <p:par>
+        <p:cTn id="1" dur="indefinite" restart="never" nodeType="tmRoot"/>
+      </p:par>
+    </p:tnLst>
+  </p:timing>
 </p:sld>
 </file>
 
@@ -9095,7 +8773,7 @@
       </p:grpSpPr>
       <p:sp>
         <p:nvSpPr>
-          <p:cNvPr id="202754" name="Rectangle 2"/>
+          <p:cNvPr id="205826" name="Rectangle 2"/>
           <p:cNvSpPr>
             <a:spLocks noGrp="1" noChangeArrowheads="1"/>
           </p:cNvSpPr>
@@ -9103,19 +8781,37 @@
             <p:ph type="title"/>
           </p:nvPr>
         </p:nvSpPr>
-        <p:spPr>
-          <a:xfrm>
-            <a:off x="2124075" y="2349500"/>
-            <a:ext cx="8229600" cy="1371600"/>
-          </a:xfrm>
-        </p:spPr>
+        <p:spPr/>
         <p:txBody>
           <a:bodyPr/>
           <a:lstStyle/>
           <a:p>
             <a:r>
-              <a:rPr lang="en-US" b="1"/>
-              <a:t>Further Work:</a:t>
+              <a:rPr lang="en-US" sz="4000" b="1" i="1"/>
+              <a:t>Merging overlapping detections</a:t>
+            </a:r>
+          </a:p>
+        </p:txBody>
+      </p:sp>
+      <p:sp>
+        <p:nvSpPr>
+          <p:cNvPr id="205827" name="Rectangle 3"/>
+          <p:cNvSpPr>
+            <a:spLocks noGrp="1" noChangeArrowheads="1"/>
+          </p:cNvSpPr>
+          <p:nvPr>
+            <p:ph type="body" idx="1"/>
+          </p:nvPr>
+        </p:nvSpPr>
+        <p:spPr/>
+        <p:txBody>
+          <a:bodyPr/>
+          <a:lstStyle/>
+          <a:p>
+            <a:pPr algn="l" rtl="0"/>
+            <a:r>
+              <a:rPr lang="en-US"/>
+              <a:t>In order to determine more precisely detection rate and false positive rate, it is crucial to be able to merge overlapping detections of multiple scales into a single detection window. At this stage, it seems as a non trivial task.</a:t>
             </a:r>
           </a:p>
         </p:txBody>
@@ -9154,7 +8850,7 @@
       </p:grpSpPr>
       <p:sp>
         <p:nvSpPr>
-          <p:cNvPr id="205826" name="Rectangle 2"/>
+          <p:cNvPr id="206850" name="Rectangle 2"/>
           <p:cNvSpPr>
             <a:spLocks noGrp="1" noChangeArrowheads="1"/>
           </p:cNvSpPr>
@@ -9168,15 +8864,16 @@
           <a:lstStyle/>
           <a:p>
             <a:r>
-              <a:rPr lang="en-US" sz="4000" b="1" i="1"/>
-              <a:t>Merging overlapping detections</a:t>
-            </a:r>
-          </a:p>
-        </p:txBody>
-      </p:sp>
-      <p:sp>
-        <p:nvSpPr>
-          <p:cNvPr id="205827" name="Rectangle 3"/>
+              <a:rPr lang="en-US" sz="3600" b="1" i="1"/>
+              <a:t>Reducing further discretization errors caused by scaling detectors</a:t>
+            </a:r>
+            <a:endParaRPr lang="en-US" sz="4000" b="1" i="1"/>
+          </a:p>
+        </p:txBody>
+      </p:sp>
+      <p:sp>
+        <p:nvSpPr>
+          <p:cNvPr id="206851" name="Rectangle 3"/>
           <p:cNvSpPr>
             <a:spLocks noGrp="1" noChangeArrowheads="1"/>
           </p:cNvSpPr>
@@ -9189,10 +8886,55 @@
           <a:bodyPr/>
           <a:lstStyle/>
           <a:p>
-            <a:pPr algn="l" rtl="0"/>
-            <a:r>
-              <a:rPr lang="en-US"/>
-              <a:t>In order to determine more precisely detection rate and false positive rate, it is crucial to be able to merge overlapping detections of multiple scales into a single detection window. At this stage, it seems as a non trivial task.</a:t>
+            <a:pPr algn="l" rtl="0">
+              <a:lnSpc>
+                <a:spcPct val="80000"/>
+              </a:lnSpc>
+            </a:pPr>
+            <a:r>
+              <a:rPr lang="en-US" sz="2000"/>
+              <a:t>For a single feature, we adjusted the scaling such that they will still preserve a Haar-like shape for each scaling. However, there are at least two more possible fine tuning adjustments:</a:t>
+            </a:r>
+          </a:p>
+          <a:p>
+            <a:pPr algn="l" rtl="0">
+              <a:lnSpc>
+                <a:spcPct val="80000"/>
+              </a:lnSpc>
+            </a:pPr>
+            <a:r>
+              <a:rPr lang="en-US" sz="2000"/>
+              <a:t>Compensating the deficiency of geometrical similarity to the original rectangles that builds the feature in its basic size.</a:t>
+            </a:r>
+          </a:p>
+          <a:p>
+            <a:pPr algn="l" rtl="0">
+              <a:lnSpc>
+                <a:spcPct val="80000"/>
+              </a:lnSpc>
+            </a:pPr>
+            <a:r>
+              <a:rPr lang="en-US" sz="2000"/>
+              <a:t>Compensating the feature change of </a:t>
+            </a:r>
+            <a:r>
+              <a:rPr lang="en-US" sz="2000" u="sng"/>
+              <a:t>relative</a:t>
+            </a:r>
+            <a:r>
+              <a:rPr lang="en-US" sz="2000"/>
+              <a:t> origin within a scaled window.</a:t>
+            </a:r>
+          </a:p>
+          <a:p>
+            <a:pPr algn="l" rtl="0">
+              <a:lnSpc>
+                <a:spcPct val="80000"/>
+              </a:lnSpc>
+            </a:pPr>
+            <a:r>
+              <a:rPr lang="en-US" sz="2000"/>
+              <a:t>The above discretization errors have greater weight in the first few scaling stages, while as the scaling is bigger, it becomes more negligible. Future work on examinations and testing of appropriate linear interpolation methods could be considered.</a:t>
             </a:r>
           </a:p>
         </p:txBody>
@@ -9213,129 +8955,6 @@
 </file>
 
 <file path=ppt/slides/slide52.xml><?xml version="1.0" encoding="utf-8"?>
-<p:sld xmlns:a="http://schemas.openxmlformats.org/drawingml/2006/main" xmlns:r="http://schemas.openxmlformats.org/officeDocument/2006/relationships" xmlns:p="http://schemas.openxmlformats.org/presentationml/2006/main">
-  <p:cSld>
-    <p:spTree>
-      <p:nvGrpSpPr>
-        <p:cNvPr id="1" name=""/>
-        <p:cNvGrpSpPr/>
-        <p:nvPr/>
-      </p:nvGrpSpPr>
-      <p:grpSpPr>
-        <a:xfrm>
-          <a:off x="0" y="0"/>
-          <a:ext cx="0" cy="0"/>
-          <a:chOff x="0" y="0"/>
-          <a:chExt cx="0" cy="0"/>
-        </a:xfrm>
-      </p:grpSpPr>
-      <p:sp>
-        <p:nvSpPr>
-          <p:cNvPr id="206850" name="Rectangle 2"/>
-          <p:cNvSpPr>
-            <a:spLocks noGrp="1" noChangeArrowheads="1"/>
-          </p:cNvSpPr>
-          <p:nvPr>
-            <p:ph type="title"/>
-          </p:nvPr>
-        </p:nvSpPr>
-        <p:spPr/>
-        <p:txBody>
-          <a:bodyPr/>
-          <a:lstStyle/>
-          <a:p>
-            <a:r>
-              <a:rPr lang="en-US" sz="3600" b="1" i="1"/>
-              <a:t>Reducing further discretization errors caused by scaling detectors</a:t>
-            </a:r>
-            <a:endParaRPr lang="en-US" sz="4000" b="1" i="1"/>
-          </a:p>
-        </p:txBody>
-      </p:sp>
-      <p:sp>
-        <p:nvSpPr>
-          <p:cNvPr id="206851" name="Rectangle 3"/>
-          <p:cNvSpPr>
-            <a:spLocks noGrp="1" noChangeArrowheads="1"/>
-          </p:cNvSpPr>
-          <p:nvPr>
-            <p:ph type="body" idx="1"/>
-          </p:nvPr>
-        </p:nvSpPr>
-        <p:spPr/>
-        <p:txBody>
-          <a:bodyPr/>
-          <a:lstStyle/>
-          <a:p>
-            <a:pPr algn="l" rtl="0">
-              <a:lnSpc>
-                <a:spcPct val="80000"/>
-              </a:lnSpc>
-            </a:pPr>
-            <a:r>
-              <a:rPr lang="en-US" sz="2000"/>
-              <a:t>For a single feature, we adjusted the scaling such that they will still preserve a Haar-like shape for each scaling. However, there are at least two more possible fine tuning adjustments:</a:t>
-            </a:r>
-          </a:p>
-          <a:p>
-            <a:pPr algn="l" rtl="0">
-              <a:lnSpc>
-                <a:spcPct val="80000"/>
-              </a:lnSpc>
-            </a:pPr>
-            <a:r>
-              <a:rPr lang="en-US" sz="2000"/>
-              <a:t>Compensating the deficiency of geometrical similarity to the original rectangles that builds the feature in its basic size.</a:t>
-            </a:r>
-          </a:p>
-          <a:p>
-            <a:pPr algn="l" rtl="0">
-              <a:lnSpc>
-                <a:spcPct val="80000"/>
-              </a:lnSpc>
-            </a:pPr>
-            <a:r>
-              <a:rPr lang="en-US" sz="2000"/>
-              <a:t>Compensating the feature change of </a:t>
-            </a:r>
-            <a:r>
-              <a:rPr lang="en-US" sz="2000" u="sng"/>
-              <a:t>relative</a:t>
-            </a:r>
-            <a:r>
-              <a:rPr lang="en-US" sz="2000"/>
-              <a:t> origin within a scaled window.</a:t>
-            </a:r>
-          </a:p>
-          <a:p>
-            <a:pPr algn="l" rtl="0">
-              <a:lnSpc>
-                <a:spcPct val="80000"/>
-              </a:lnSpc>
-            </a:pPr>
-            <a:r>
-              <a:rPr lang="en-US" sz="2000"/>
-              <a:t>The above discretization errors have greater weight in the first few scaling stages, while as the scaling is bigger, it becomes more negligible. Future work on examinations and testing of appropriate linear interpolation methods could be considered.</a:t>
-            </a:r>
-          </a:p>
-        </p:txBody>
-      </p:sp>
-    </p:spTree>
-  </p:cSld>
-  <p:clrMapOvr>
-    <a:masterClrMapping/>
-  </p:clrMapOvr>
-  <p:timing>
-    <p:tnLst>
-      <p:par>
-        <p:cTn id="1" dur="indefinite" restart="never" nodeType="tmRoot"/>
-      </p:par>
-    </p:tnLst>
-  </p:timing>
-</p:sld>
-</file>
-
-<file path=ppt/slides/slide53.xml><?xml version="1.0" encoding="utf-8"?>
 <p:sld xmlns:a="http://schemas.openxmlformats.org/drawingml/2006/main" xmlns:r="http://schemas.openxmlformats.org/officeDocument/2006/relationships" xmlns:p="http://schemas.openxmlformats.org/presentationml/2006/main">
   <p:cSld>
     <p:spTree>
